--- a/5. Semester/IoT/iot/.pptx
+++ b/5. Semester/IoT/iot/.pptx
@@ -5855,7 +5855,7 @@
           <p:cNvPr id="2" name="Titel 1">
             <a:extLst>
               <a:ext uri="{FF2B5EF4-FFF2-40B4-BE49-F238E27FC236}">
-                <a16:creationId xmlns:a16="http://schemas.microsoft.com/office/drawing/2014/main" xmlns="" id="{B2D6C316-A7D9-420C-9A4E-DBC9D59AB8D1}"/>
+                <a16:creationId xmlns="" xmlns:a16="http://schemas.microsoft.com/office/drawing/2014/main" id="{B2D6C316-A7D9-420C-9A4E-DBC9D59AB8D1}"/>
               </a:ext>
             </a:extLst>
           </p:cNvPr>
@@ -5897,7 +5897,7 @@
           <p:cNvPr id="3" name="Untertitel 2">
             <a:extLst>
               <a:ext uri="{FF2B5EF4-FFF2-40B4-BE49-F238E27FC236}">
-                <a16:creationId xmlns:a16="http://schemas.microsoft.com/office/drawing/2014/main" xmlns="" id="{7BDBE603-F11F-4879-9F0B-3E798574F381}"/>
+                <a16:creationId xmlns="" xmlns:a16="http://schemas.microsoft.com/office/drawing/2014/main" id="{7BDBE603-F11F-4879-9F0B-3E798574F381}"/>
               </a:ext>
             </a:extLst>
           </p:cNvPr>
@@ -5981,7 +5981,7 @@
           <p:cNvPr id="2" name="Titel 1">
             <a:extLst>
               <a:ext uri="{FF2B5EF4-FFF2-40B4-BE49-F238E27FC236}">
-                <a16:creationId xmlns:a16="http://schemas.microsoft.com/office/drawing/2014/main" xmlns="" id="{C3B0D162-B677-48DF-A352-C5743D228583}"/>
+                <a16:creationId xmlns="" xmlns:a16="http://schemas.microsoft.com/office/drawing/2014/main" id="{C3B0D162-B677-48DF-A352-C5743D228583}"/>
               </a:ext>
             </a:extLst>
           </p:cNvPr>
@@ -6014,7 +6014,7 @@
           <p:cNvPr id="3" name="Inhaltsplatzhalter 2">
             <a:extLst>
               <a:ext uri="{FF2B5EF4-FFF2-40B4-BE49-F238E27FC236}">
-                <a16:creationId xmlns:a16="http://schemas.microsoft.com/office/drawing/2014/main" xmlns="" id="{BD0AF6C3-2C56-4D2C-9E30-C1C6F8FA7A9B}"/>
+                <a16:creationId xmlns="" xmlns:a16="http://schemas.microsoft.com/office/drawing/2014/main" id="{BD0AF6C3-2C56-4D2C-9E30-C1C6F8FA7A9B}"/>
               </a:ext>
             </a:extLst>
           </p:cNvPr>
@@ -6164,7 +6164,7 @@
           <p:cNvPr id="2" name="Titel 1">
             <a:extLst>
               <a:ext uri="{FF2B5EF4-FFF2-40B4-BE49-F238E27FC236}">
-                <a16:creationId xmlns:a16="http://schemas.microsoft.com/office/drawing/2014/main" xmlns="" id="{CF30B92F-5C88-4BC2-8E68-6C03884CFCEC}"/>
+                <a16:creationId xmlns="" xmlns:a16="http://schemas.microsoft.com/office/drawing/2014/main" id="{CF30B92F-5C88-4BC2-8E68-6C03884CFCEC}"/>
               </a:ext>
             </a:extLst>
           </p:cNvPr>
@@ -6181,10 +6181,10 @@
           <a:lstStyle/>
           <a:p>
             <a:r>
-              <a:rPr lang="de-DE" dirty="0" err="1"/>
+              <a:rPr lang="de-DE" u="sng" dirty="0" err="1"/>
               <a:t>digitalWrite</a:t>
             </a:r>
-            <a:endParaRPr lang="de-DE" dirty="0"/>
+            <a:endParaRPr lang="de-DE" u="sng" dirty="0"/>
           </a:p>
         </p:txBody>
       </p:sp>
@@ -6193,7 +6193,7 @@
           <p:cNvPr id="3" name="Inhaltsplatzhalter 2">
             <a:extLst>
               <a:ext uri="{FF2B5EF4-FFF2-40B4-BE49-F238E27FC236}">
-                <a16:creationId xmlns:a16="http://schemas.microsoft.com/office/drawing/2014/main" xmlns="" id="{6B393A3A-BFC2-47D9-982C-4A189A6E2BCB}"/>
+                <a16:creationId xmlns="" xmlns:a16="http://schemas.microsoft.com/office/drawing/2014/main" id="{6B393A3A-BFC2-47D9-982C-4A189A6E2BCB}"/>
               </a:ext>
             </a:extLst>
           </p:cNvPr>
@@ -6206,7 +6206,7 @@
         </p:nvSpPr>
         <p:spPr>
           <a:xfrm>
-            <a:off x="1199848" y="2152424"/>
+            <a:off x="1412120" y="2103438"/>
             <a:ext cx="5200952" cy="3880773"/>
           </a:xfrm>
         </p:spPr>
@@ -6331,7 +6331,7 @@
           <p:cNvPr id="2" name="Titel 1">
             <a:extLst>
               <a:ext uri="{FF2B5EF4-FFF2-40B4-BE49-F238E27FC236}">
-                <a16:creationId xmlns:a16="http://schemas.microsoft.com/office/drawing/2014/main" xmlns="" id="{CF30B92F-5C88-4BC2-8E68-6C03884CFCEC}"/>
+                <a16:creationId xmlns="" xmlns:a16="http://schemas.microsoft.com/office/drawing/2014/main" id="{CF30B92F-5C88-4BC2-8E68-6C03884CFCEC}"/>
               </a:ext>
             </a:extLst>
           </p:cNvPr>
@@ -6360,7 +6360,7 @@
           <p:cNvPr id="3" name="Inhaltsplatzhalter 2">
             <a:extLst>
               <a:ext uri="{FF2B5EF4-FFF2-40B4-BE49-F238E27FC236}">
-                <a16:creationId xmlns:a16="http://schemas.microsoft.com/office/drawing/2014/main" xmlns="" id="{6B393A3A-BFC2-47D9-982C-4A189A6E2BCB}"/>
+                <a16:creationId xmlns="" xmlns:a16="http://schemas.microsoft.com/office/drawing/2014/main" id="{6B393A3A-BFC2-47D9-982C-4A189A6E2BCB}"/>
               </a:ext>
             </a:extLst>
           </p:cNvPr>
@@ -6537,7 +6537,7 @@
           <p:cNvPr id="2" name="Titel 1">
             <a:extLst>
               <a:ext uri="{FF2B5EF4-FFF2-40B4-BE49-F238E27FC236}">
-                <a16:creationId xmlns:a16="http://schemas.microsoft.com/office/drawing/2014/main" xmlns="" id="{BD00A6AC-9D22-48B6-9C10-8CBEEA6ADD45}"/>
+                <a16:creationId xmlns="" xmlns:a16="http://schemas.microsoft.com/office/drawing/2014/main" id="{BD00A6AC-9D22-48B6-9C10-8CBEEA6ADD45}"/>
               </a:ext>
             </a:extLst>
           </p:cNvPr>
@@ -6565,7 +6565,7 @@
           <p:cNvPr id="3" name="Inhaltsplatzhalter 2">
             <a:extLst>
               <a:ext uri="{FF2B5EF4-FFF2-40B4-BE49-F238E27FC236}">
-                <a16:creationId xmlns:a16="http://schemas.microsoft.com/office/drawing/2014/main" xmlns="" id="{C57FCB4F-CD98-4BF1-8DF2-F81324CAB3BF}"/>
+                <a16:creationId xmlns="" xmlns:a16="http://schemas.microsoft.com/office/drawing/2014/main" id="{C57FCB4F-CD98-4BF1-8DF2-F81324CAB3BF}"/>
               </a:ext>
             </a:extLst>
           </p:cNvPr>
@@ -6647,7 +6647,7 @@
           <p:cNvPr id="5" name="Grafik 4">
             <a:extLst>
               <a:ext uri="{FF2B5EF4-FFF2-40B4-BE49-F238E27FC236}">
-                <a16:creationId xmlns:a16="http://schemas.microsoft.com/office/drawing/2014/main" xmlns="" id="{ED16844B-6CDF-4139-94B8-07B6BD919025}"/>
+                <a16:creationId xmlns="" xmlns:a16="http://schemas.microsoft.com/office/drawing/2014/main" id="{ED16844B-6CDF-4139-94B8-07B6BD919025}"/>
               </a:ext>
             </a:extLst>
           </p:cNvPr>
@@ -6720,7 +6720,7 @@
           <p:cNvPr id="2" name="Titel 1">
             <a:extLst>
               <a:ext uri="{FF2B5EF4-FFF2-40B4-BE49-F238E27FC236}">
-                <a16:creationId xmlns:a16="http://schemas.microsoft.com/office/drawing/2014/main" xmlns="" id="{673CAD30-A852-49FF-98EA-D449C752828C}"/>
+                <a16:creationId xmlns="" xmlns:a16="http://schemas.microsoft.com/office/drawing/2014/main" id="{673CAD30-A852-49FF-98EA-D449C752828C}"/>
               </a:ext>
             </a:extLst>
           </p:cNvPr>
@@ -6748,7 +6748,7 @@
           <p:cNvPr id="6" name="Inhaltsplatzhalter 5">
             <a:extLst>
               <a:ext uri="{FF2B5EF4-FFF2-40B4-BE49-F238E27FC236}">
-                <a16:creationId xmlns:a16="http://schemas.microsoft.com/office/drawing/2014/main" xmlns="" id="{5A5277B5-512D-422A-9CE0-083C4477AFEC}"/>
+                <a16:creationId xmlns="" xmlns:a16="http://schemas.microsoft.com/office/drawing/2014/main" id="{5A5277B5-512D-422A-9CE0-083C4477AFEC}"/>
               </a:ext>
             </a:extLst>
           </p:cNvPr>
@@ -6820,7 +6820,7 @@
           <p:cNvPr id="2" name="Titel 1">
             <a:extLst>
               <a:ext uri="{FF2B5EF4-FFF2-40B4-BE49-F238E27FC236}">
-                <a16:creationId xmlns:a16="http://schemas.microsoft.com/office/drawing/2014/main" xmlns="" id="{485377B4-E647-4CBF-BEE9-29FB4DD00DBD}"/>
+                <a16:creationId xmlns="" xmlns:a16="http://schemas.microsoft.com/office/drawing/2014/main" id="{485377B4-E647-4CBF-BEE9-29FB4DD00DBD}"/>
               </a:ext>
             </a:extLst>
           </p:cNvPr>
@@ -6848,7 +6848,7 @@
           <p:cNvPr id="5" name="Inhaltsplatzhalter 4">
             <a:extLst>
               <a:ext uri="{FF2B5EF4-FFF2-40B4-BE49-F238E27FC236}">
-                <a16:creationId xmlns:a16="http://schemas.microsoft.com/office/drawing/2014/main" xmlns="" id="{99561D73-5C79-45A8-8E67-1FCC8F8838C1}"/>
+                <a16:creationId xmlns="" xmlns:a16="http://schemas.microsoft.com/office/drawing/2014/main" id="{99561D73-5C79-45A8-8E67-1FCC8F8838C1}"/>
               </a:ext>
             </a:extLst>
           </p:cNvPr>
@@ -6920,7 +6920,7 @@
           <p:cNvPr id="2" name="Titel 1">
             <a:extLst>
               <a:ext uri="{FF2B5EF4-FFF2-40B4-BE49-F238E27FC236}">
-                <a16:creationId xmlns:a16="http://schemas.microsoft.com/office/drawing/2014/main" xmlns="" id="{E0B6E5AD-122F-4CF5-BC4C-EFC0D4ACE869}"/>
+                <a16:creationId xmlns="" xmlns:a16="http://schemas.microsoft.com/office/drawing/2014/main" id="{E0B6E5AD-122F-4CF5-BC4C-EFC0D4ACE869}"/>
               </a:ext>
             </a:extLst>
           </p:cNvPr>
@@ -6948,7 +6948,7 @@
           <p:cNvPr id="6" name="Inhaltsplatzhalter 5">
             <a:extLst>
               <a:ext uri="{FF2B5EF4-FFF2-40B4-BE49-F238E27FC236}">
-                <a16:creationId xmlns:a16="http://schemas.microsoft.com/office/drawing/2014/main" xmlns="" id="{3AD8F533-A873-47FB-A0B1-93267B23F61D}"/>
+                <a16:creationId xmlns="" xmlns:a16="http://schemas.microsoft.com/office/drawing/2014/main" id="{3AD8F533-A873-47FB-A0B1-93267B23F61D}"/>
               </a:ext>
             </a:extLst>
           </p:cNvPr>
@@ -7020,7 +7020,7 @@
           <p:cNvPr id="2" name="Titel 1">
             <a:extLst>
               <a:ext uri="{FF2B5EF4-FFF2-40B4-BE49-F238E27FC236}">
-                <a16:creationId xmlns:a16="http://schemas.microsoft.com/office/drawing/2014/main" xmlns="" id="{EBAF9661-8443-4143-AA17-D24BB5663DDB}"/>
+                <a16:creationId xmlns="" xmlns:a16="http://schemas.microsoft.com/office/drawing/2014/main" id="{EBAF9661-8443-4143-AA17-D24BB5663DDB}"/>
               </a:ext>
             </a:extLst>
           </p:cNvPr>
@@ -7048,7 +7048,7 @@
           <p:cNvPr id="3" name="Inhaltsplatzhalter 2">
             <a:extLst>
               <a:ext uri="{FF2B5EF4-FFF2-40B4-BE49-F238E27FC236}">
-                <a16:creationId xmlns:a16="http://schemas.microsoft.com/office/drawing/2014/main" xmlns="" id="{459F42FC-109F-4B1E-9415-C2080867D494}"/>
+                <a16:creationId xmlns="" xmlns:a16="http://schemas.microsoft.com/office/drawing/2014/main" id="{459F42FC-109F-4B1E-9415-C2080867D494}"/>
               </a:ext>
             </a:extLst>
           </p:cNvPr>
@@ -7110,7 +7110,7 @@
           <p:cNvPr id="2" name="Titel 1">
             <a:extLst>
               <a:ext uri="{FF2B5EF4-FFF2-40B4-BE49-F238E27FC236}">
-                <a16:creationId xmlns:a16="http://schemas.microsoft.com/office/drawing/2014/main" xmlns="" id="{EE167D8E-97C9-4A8A-937D-5AE6AF784D30}"/>
+                <a16:creationId xmlns="" xmlns:a16="http://schemas.microsoft.com/office/drawing/2014/main" id="{EE167D8E-97C9-4A8A-937D-5AE6AF784D30}"/>
               </a:ext>
             </a:extLst>
           </p:cNvPr>
@@ -7138,7 +7138,7 @@
           <p:cNvPr id="5" name="Inhaltsplatzhalter 4">
             <a:extLst>
               <a:ext uri="{FF2B5EF4-FFF2-40B4-BE49-F238E27FC236}">
-                <a16:creationId xmlns:a16="http://schemas.microsoft.com/office/drawing/2014/main" xmlns="" id="{43FB2C26-A05D-407C-83E6-03BC6DD8873B}"/>
+                <a16:creationId xmlns="" xmlns:a16="http://schemas.microsoft.com/office/drawing/2014/main" id="{43FB2C26-A05D-407C-83E6-03BC6DD8873B}"/>
               </a:ext>
             </a:extLst>
           </p:cNvPr>
@@ -7502,7 +7502,7 @@
           <p:cNvPr id="2" name="Titel 1">
             <a:extLst>
               <a:ext uri="{FF2B5EF4-FFF2-40B4-BE49-F238E27FC236}">
-                <a16:creationId xmlns:a16="http://schemas.microsoft.com/office/drawing/2014/main" xmlns="" id="{56001D69-CA88-41A6-B3E9-484DCA79DBAF}"/>
+                <a16:creationId xmlns="" xmlns:a16="http://schemas.microsoft.com/office/drawing/2014/main" id="{56001D69-CA88-41A6-B3E9-484DCA79DBAF}"/>
               </a:ext>
             </a:extLst>
           </p:cNvPr>
@@ -7531,7 +7531,7 @@
           <p:cNvPr id="5" name="Inhaltsplatzhalter 4">
             <a:extLst>
               <a:ext uri="{FF2B5EF4-FFF2-40B4-BE49-F238E27FC236}">
-                <a16:creationId xmlns:a16="http://schemas.microsoft.com/office/drawing/2014/main" xmlns="" id="{E5154494-B2D6-4DF6-AD43-EBB2BFBB3DD9}"/>
+                <a16:creationId xmlns="" xmlns:a16="http://schemas.microsoft.com/office/drawing/2014/main" id="{E5154494-B2D6-4DF6-AD43-EBB2BFBB3DD9}"/>
               </a:ext>
             </a:extLst>
           </p:cNvPr>
@@ -7742,7 +7742,7 @@
           <p:cNvPr id="2" name="Titel 1">
             <a:extLst>
               <a:ext uri="{FF2B5EF4-FFF2-40B4-BE49-F238E27FC236}">
-                <a16:creationId xmlns:a16="http://schemas.microsoft.com/office/drawing/2014/main" xmlns="" id="{EFB50FA2-D02A-4D2A-A2A7-27E3F0B48DE8}"/>
+                <a16:creationId xmlns="" xmlns:a16="http://schemas.microsoft.com/office/drawing/2014/main" id="{EFB50FA2-D02A-4D2A-A2A7-27E3F0B48DE8}"/>
               </a:ext>
             </a:extLst>
           </p:cNvPr>
@@ -7770,7 +7770,7 @@
           <p:cNvPr id="5" name="Inhaltsplatzhalter 4">
             <a:extLst>
               <a:ext uri="{FF2B5EF4-FFF2-40B4-BE49-F238E27FC236}">
-                <a16:creationId xmlns:a16="http://schemas.microsoft.com/office/drawing/2014/main" xmlns="" id="{726D7ADE-BB6F-4712-ADA5-CFBBEE0A8ED0}"/>
+                <a16:creationId xmlns="" xmlns:a16="http://schemas.microsoft.com/office/drawing/2014/main" id="{726D7ADE-BB6F-4712-ADA5-CFBBEE0A8ED0}"/>
               </a:ext>
             </a:extLst>
           </p:cNvPr>
@@ -7845,18 +7845,7 @@
                   </a:schemeClr>
                 </a:solidFill>
               </a:rPr>
-              <a:t>Te</a:t>
-            </a:r>
-            <a:r>
-              <a:rPr lang="de-DE" sz="2000" dirty="0">
-                <a:solidFill>
-                  <a:schemeClr val="tx1">
-                    <a:lumMod val="75000"/>
-                    <a:lumOff val="25000"/>
-                  </a:schemeClr>
-                </a:solidFill>
-              </a:rPr>
-              <a:t>mperatur</a:t>
+              <a:t>Temperatur</a:t>
             </a:r>
           </a:p>
           <a:p>
@@ -7965,7 +7954,7 @@
           <p:cNvPr id="2" name="Titel 1">
             <a:extLst>
               <a:ext uri="{FF2B5EF4-FFF2-40B4-BE49-F238E27FC236}">
-                <a16:creationId xmlns:a16="http://schemas.microsoft.com/office/drawing/2014/main" xmlns="" id="{F7E526A2-7489-4EE4-AD3D-AA26527F4135}"/>
+                <a16:creationId xmlns="" xmlns:a16="http://schemas.microsoft.com/office/drawing/2014/main" id="{F7E526A2-7489-4EE4-AD3D-AA26527F4135}"/>
               </a:ext>
             </a:extLst>
           </p:cNvPr>
@@ -8010,7 +7999,7 @@
           <p:cNvPr id="3" name="Inhaltsplatzhalter 2">
             <a:extLst>
               <a:ext uri="{FF2B5EF4-FFF2-40B4-BE49-F238E27FC236}">
-                <a16:creationId xmlns:a16="http://schemas.microsoft.com/office/drawing/2014/main" xmlns="" id="{67AE91AA-EE30-4D88-ACF9-739A328ECBB2}"/>
+                <a16:creationId xmlns="" xmlns:a16="http://schemas.microsoft.com/office/drawing/2014/main" id="{67AE91AA-EE30-4D88-ACF9-739A328ECBB2}"/>
               </a:ext>
             </a:extLst>
           </p:cNvPr>
@@ -8137,7 +8126,7 @@
           <p:cNvPr id="5" name="Grafik 4">
             <a:extLst>
               <a:ext uri="{FF2B5EF4-FFF2-40B4-BE49-F238E27FC236}">
-                <a16:creationId xmlns:a16="http://schemas.microsoft.com/office/drawing/2014/main" xmlns="" id="{B7FC7600-B559-451D-BDC9-26DBFC164681}"/>
+                <a16:creationId xmlns="" xmlns:a16="http://schemas.microsoft.com/office/drawing/2014/main" id="{B7FC7600-B559-451D-BDC9-26DBFC164681}"/>
               </a:ext>
             </a:extLst>
           </p:cNvPr>
@@ -8209,7 +8198,7 @@
           <p:cNvPr id="2" name="Titel 1">
             <a:extLst>
               <a:ext uri="{FF2B5EF4-FFF2-40B4-BE49-F238E27FC236}">
-                <a16:creationId xmlns:a16="http://schemas.microsoft.com/office/drawing/2014/main" xmlns="" id="{EBD8EE8D-2735-412F-9D53-4901977DEE3E}"/>
+                <a16:creationId xmlns="" xmlns:a16="http://schemas.microsoft.com/office/drawing/2014/main" id="{EBD8EE8D-2735-412F-9D53-4901977DEE3E}"/>
               </a:ext>
             </a:extLst>
           </p:cNvPr>
@@ -8242,7 +8231,7 @@
           <p:cNvPr id="3" name="Inhaltsplatzhalter 2">
             <a:extLst>
               <a:ext uri="{FF2B5EF4-FFF2-40B4-BE49-F238E27FC236}">
-                <a16:creationId xmlns:a16="http://schemas.microsoft.com/office/drawing/2014/main" xmlns="" id="{CD1197E8-F25A-443E-922A-13B0D3847BB0}"/>
+                <a16:creationId xmlns="" xmlns:a16="http://schemas.microsoft.com/office/drawing/2014/main" id="{CD1197E8-F25A-443E-922A-13B0D3847BB0}"/>
               </a:ext>
             </a:extLst>
           </p:cNvPr>
@@ -8309,7 +8298,7 @@
           <p:cNvPr id="1026" name="Picture 2">
             <a:extLst>
               <a:ext uri="{FF2B5EF4-FFF2-40B4-BE49-F238E27FC236}">
-                <a16:creationId xmlns:a16="http://schemas.microsoft.com/office/drawing/2014/main" xmlns="" id="{5B99E512-2254-4B53-9340-40AF32444BA0}"/>
+                <a16:creationId xmlns="" xmlns:a16="http://schemas.microsoft.com/office/drawing/2014/main" id="{5B99E512-2254-4B53-9340-40AF32444BA0}"/>
               </a:ext>
             </a:extLst>
           </p:cNvPr>
@@ -8406,7 +8395,7 @@
           <p:cNvPr id="2" name="Titel 1">
             <a:extLst>
               <a:ext uri="{FF2B5EF4-FFF2-40B4-BE49-F238E27FC236}">
-                <a16:creationId xmlns:a16="http://schemas.microsoft.com/office/drawing/2014/main" xmlns="" id="{37B762ED-FD6C-4469-9313-0067FF63F020}"/>
+                <a16:creationId xmlns="" xmlns:a16="http://schemas.microsoft.com/office/drawing/2014/main" id="{37B762ED-FD6C-4469-9313-0067FF63F020}"/>
               </a:ext>
             </a:extLst>
           </p:cNvPr>
@@ -8443,7 +8432,7 @@
           <p:cNvPr id="5" name="Inhaltsplatzhalter 4">
             <a:extLst>
               <a:ext uri="{FF2B5EF4-FFF2-40B4-BE49-F238E27FC236}">
-                <a16:creationId xmlns:a16="http://schemas.microsoft.com/office/drawing/2014/main" xmlns="" id="{26371410-72DF-44FE-AF29-CF34C0FB2690}"/>
+                <a16:creationId xmlns="" xmlns:a16="http://schemas.microsoft.com/office/drawing/2014/main" id="{26371410-72DF-44FE-AF29-CF34C0FB2690}"/>
               </a:ext>
             </a:extLst>
           </p:cNvPr>
@@ -8677,7 +8666,7 @@
           <p:cNvPr id="2" name="Titel 1">
             <a:extLst>
               <a:ext uri="{FF2B5EF4-FFF2-40B4-BE49-F238E27FC236}">
-                <a16:creationId xmlns:a16="http://schemas.microsoft.com/office/drawing/2014/main" xmlns="" id="{54648854-58D7-4ACD-8217-3CE75F2B221A}"/>
+                <a16:creationId xmlns="" xmlns:a16="http://schemas.microsoft.com/office/drawing/2014/main" id="{54648854-58D7-4ACD-8217-3CE75F2B221A}"/>
               </a:ext>
             </a:extLst>
           </p:cNvPr>
@@ -8705,7 +8694,7 @@
           <p:cNvPr id="4" name="Inhaltsplatzhalter 4">
             <a:extLst>
               <a:ext uri="{FF2B5EF4-FFF2-40B4-BE49-F238E27FC236}">
-                <a16:creationId xmlns:a16="http://schemas.microsoft.com/office/drawing/2014/main" xmlns="" id="{6E11F9D0-ABE8-47AE-886A-B3E9D7B5E9F8}"/>
+                <a16:creationId xmlns="" xmlns:a16="http://schemas.microsoft.com/office/drawing/2014/main" id="{6E11F9D0-ABE8-47AE-886A-B3E9D7B5E9F8}"/>
               </a:ext>
             </a:extLst>
           </p:cNvPr>
@@ -8777,7 +8766,7 @@
           <p:cNvPr id="2" name="Titel 1">
             <a:extLst>
               <a:ext uri="{FF2B5EF4-FFF2-40B4-BE49-F238E27FC236}">
-                <a16:creationId xmlns:a16="http://schemas.microsoft.com/office/drawing/2014/main" xmlns="" id="{C3B0D162-B677-48DF-A352-C5743D228583}"/>
+                <a16:creationId xmlns="" xmlns:a16="http://schemas.microsoft.com/office/drawing/2014/main" id="{C3B0D162-B677-48DF-A352-C5743D228583}"/>
               </a:ext>
             </a:extLst>
           </p:cNvPr>
@@ -8810,7 +8799,7 @@
           <p:cNvPr id="3" name="Inhaltsplatzhalter 2">
             <a:extLst>
               <a:ext uri="{FF2B5EF4-FFF2-40B4-BE49-F238E27FC236}">
-                <a16:creationId xmlns:a16="http://schemas.microsoft.com/office/drawing/2014/main" xmlns="" id="{BD0AF6C3-2C56-4D2C-9E30-C1C6F8FA7A9B}"/>
+                <a16:creationId xmlns="" xmlns:a16="http://schemas.microsoft.com/office/drawing/2014/main" id="{BD0AF6C3-2C56-4D2C-9E30-C1C6F8FA7A9B}"/>
               </a:ext>
             </a:extLst>
           </p:cNvPr>
@@ -8821,12 +8810,21 @@
             <p:ph idx="1"/>
           </p:nvPr>
         </p:nvSpPr>
-        <p:spPr/>
+        <p:spPr>
+          <a:xfrm>
+            <a:off x="1387627" y="2013632"/>
+            <a:ext cx="8596668" cy="3880773"/>
+          </a:xfrm>
+        </p:spPr>
         <p:txBody>
           <a:bodyPr/>
           <a:lstStyle/>
           <a:p>
-            <a:pPr fontAlgn="base"/>
+            <a:pPr fontAlgn="base">
+              <a:lnSpc>
+                <a:spcPct val="150000"/>
+              </a:lnSpc>
+            </a:pPr>
             <a:r>
               <a:rPr lang="de-DE" dirty="0"/>
               <a:t>DDRD &amp;= ~(1&lt;&lt;2)</a:t>
@@ -8837,7 +8835,11 @@
             </a:r>
           </a:p>
           <a:p>
-            <a:pPr fontAlgn="base"/>
+            <a:pPr fontAlgn="base">
+              <a:lnSpc>
+                <a:spcPct val="150000"/>
+              </a:lnSpc>
+            </a:pPr>
             <a:r>
               <a:rPr lang="de-DE" dirty="0"/>
               <a:t>Wieder: DDRD = 00100101</a:t>
@@ -8848,7 +8850,11 @@
             </a:r>
           </a:p>
           <a:p>
-            <a:pPr fontAlgn="base"/>
+            <a:pPr fontAlgn="base">
+              <a:lnSpc>
+                <a:spcPct val="150000"/>
+              </a:lnSpc>
+            </a:pPr>
             <a:r>
               <a:rPr lang="de-DE" dirty="0"/>
               <a:t>Ausführen von DDRD &amp;= ~(1&lt;&lt;2):</a:t>
@@ -8859,7 +8865,11 @@
             </a:r>
           </a:p>
           <a:p>
-            <a:pPr fontAlgn="base"/>
+            <a:pPr fontAlgn="base">
+              <a:lnSpc>
+                <a:spcPct val="150000"/>
+              </a:lnSpc>
+            </a:pPr>
             <a:r>
               <a:rPr lang="de-DE" dirty="0"/>
               <a:t>1 = 00000001</a:t>
@@ -8878,7 +8888,11 @@
             </a:r>
           </a:p>
           <a:p>
-            <a:pPr fontAlgn="base"/>
+            <a:pPr fontAlgn="base">
+              <a:lnSpc>
+                <a:spcPct val="150000"/>
+              </a:lnSpc>
+            </a:pPr>
             <a:r>
               <a:rPr lang="de-DE" dirty="0"/>
               <a:t>Negieren von (1&lt;&lt;2):</a:t>
@@ -8897,7 +8911,11 @@
             </a:r>
           </a:p>
           <a:p>
-            <a:pPr fontAlgn="base"/>
+            <a:pPr fontAlgn="base">
+              <a:lnSpc>
+                <a:spcPct val="150000"/>
+              </a:lnSpc>
+            </a:pPr>
             <a:r>
               <a:rPr lang="de-DE" dirty="0"/>
               <a:t>00100101 &amp; 11111011 = 00100001 //2. Bit nun 0</a:t>
@@ -9180,7 +9198,7 @@
   <a:extraClrSchemeLst/>
   <a:extLst>
     <a:ext uri="{05A4C25C-085E-4340-85A3-A5531E510DB2}">
-      <thm15:themeFamily xmlns:thm15="http://schemas.microsoft.com/office/thememl/2012/main" xmlns="" name="Facet" id="{C0C680CD-088A-49FC-A102-D699147F32B2}" vid="{0B5AB586-D108-4FC1-8368-649FE654B894}"/>
+      <thm15:themeFamily xmlns="" xmlns:thm15="http://schemas.microsoft.com/office/thememl/2012/main" name="Facet" id="{C0C680CD-088A-49FC-A102-D699147F32B2}" vid="{0B5AB586-D108-4FC1-8368-649FE654B894}"/>
     </a:ext>
   </a:extLst>
 </a:theme>

--- a/5. Semester/IoT/iot/.pptx
+++ b/5. Semester/IoT/iot/.pptx
@@ -12,16 +12,18 @@
     <p:sldId id="260" r:id="rId6"/>
     <p:sldId id="261" r:id="rId7"/>
     <p:sldId id="262" r:id="rId8"/>
-    <p:sldId id="263" r:id="rId9"/>
-    <p:sldId id="265" r:id="rId10"/>
-    <p:sldId id="269" r:id="rId11"/>
-    <p:sldId id="267" r:id="rId12"/>
-    <p:sldId id="266" r:id="rId13"/>
-    <p:sldId id="270" r:id="rId14"/>
-    <p:sldId id="271" r:id="rId15"/>
-    <p:sldId id="272" r:id="rId16"/>
-    <p:sldId id="273" r:id="rId17"/>
-    <p:sldId id="268" r:id="rId18"/>
+    <p:sldId id="274" r:id="rId9"/>
+    <p:sldId id="263" r:id="rId10"/>
+    <p:sldId id="265" r:id="rId11"/>
+    <p:sldId id="269" r:id="rId12"/>
+    <p:sldId id="267" r:id="rId13"/>
+    <p:sldId id="266" r:id="rId14"/>
+    <p:sldId id="275" r:id="rId15"/>
+    <p:sldId id="270" r:id="rId16"/>
+    <p:sldId id="271" r:id="rId17"/>
+    <p:sldId id="272" r:id="rId18"/>
+    <p:sldId id="273" r:id="rId19"/>
+    <p:sldId id="268" r:id="rId20"/>
   </p:sldIdLst>
   <p:sldSz cx="12192000" cy="6858000"/>
   <p:notesSz cx="6858000" cy="9144000"/>
@@ -120,6 +122,22 @@
       </a:defRPr>
     </a:lvl9pPr>
   </p:defaultTextStyle>
+  <p:extLst>
+    <p:ext uri="{EFAFB233-063F-42B5-8137-9DF3F51BA10A}">
+      <p15:sldGuideLst xmlns:p15="http://schemas.microsoft.com/office/powerpoint/2012/main">
+        <p15:guide id="1" orient="horz" pos="2160">
+          <p15:clr>
+            <a:srgbClr val="A4A3A4"/>
+          </p15:clr>
+        </p15:guide>
+        <p15:guide id="2" pos="3840">
+          <p15:clr>
+            <a:srgbClr val="A4A3A4"/>
+          </p15:clr>
+        </p15:guide>
+      </p15:sldGuideLst>
+    </p:ext>
+  </p:extLst>
 </p:presentation>
 </file>
 
@@ -5855,7 +5873,7 @@
           <p:cNvPr id="2" name="Titel 1">
             <a:extLst>
               <a:ext uri="{FF2B5EF4-FFF2-40B4-BE49-F238E27FC236}">
-                <a16:creationId xmlns="" xmlns:a16="http://schemas.microsoft.com/office/drawing/2014/main" id="{B2D6C316-A7D9-420C-9A4E-DBC9D59AB8D1}"/>
+                <a16:creationId xmlns:a16="http://schemas.microsoft.com/office/drawing/2014/main" id="{B2D6C316-A7D9-420C-9A4E-DBC9D59AB8D1}"/>
               </a:ext>
             </a:extLst>
           </p:cNvPr>
@@ -5882,13 +5900,8 @@
             </a:r>
             <a:r>
               <a:rPr lang="de-DE" sz="6000" dirty="0"/>
-              <a:t> </a:t>
-            </a:r>
-            <a:r>
-              <a:rPr lang="de-DE" sz="6000" dirty="0" smtClean="0"/>
-              <a:t>– Praktikum 2018/19</a:t>
-            </a:r>
-            <a:endParaRPr lang="de-DE" sz="6000" dirty="0"/>
+              <a:t> – Praktikum 2018/19</a:t>
+            </a:r>
           </a:p>
         </p:txBody>
       </p:sp>
@@ -5897,7 +5910,7 @@
           <p:cNvPr id="3" name="Untertitel 2">
             <a:extLst>
               <a:ext uri="{FF2B5EF4-FFF2-40B4-BE49-F238E27FC236}">
-                <a16:creationId xmlns="" xmlns:a16="http://schemas.microsoft.com/office/drawing/2014/main" id="{7BDBE603-F11F-4879-9F0B-3E798574F381}"/>
+                <a16:creationId xmlns:a16="http://schemas.microsoft.com/office/drawing/2014/main" id="{7BDBE603-F11F-4879-9F0B-3E798574F381}"/>
               </a:ext>
             </a:extLst>
           </p:cNvPr>
@@ -5949,13 +5962,6 @@
   <p:clrMapOvr>
     <a:masterClrMapping/>
   </p:clrMapOvr>
-  <p:timing>
-    <p:tnLst>
-      <p:par>
-        <p:cTn id="1" dur="indefinite" restart="never" nodeType="tmRoot"/>
-      </p:par>
-    </p:tnLst>
-  </p:timing>
 </p:sld>
 </file>
 
@@ -5981,7 +5987,7 @@
           <p:cNvPr id="2" name="Titel 1">
             <a:extLst>
               <a:ext uri="{FF2B5EF4-FFF2-40B4-BE49-F238E27FC236}">
-                <a16:creationId xmlns="" xmlns:a16="http://schemas.microsoft.com/office/drawing/2014/main" id="{C3B0D162-B677-48DF-A352-C5743D228583}"/>
+                <a16:creationId xmlns:a16="http://schemas.microsoft.com/office/drawing/2014/main" id="{C3B0D162-B677-48DF-A352-C5743D228583}"/>
               </a:ext>
             </a:extLst>
           </p:cNvPr>
@@ -5998,14 +6004,13 @@
           <a:lstStyle/>
           <a:p>
             <a:r>
-              <a:rPr lang="de-DE" u="sng" dirty="0" err="1" smtClean="0"/>
+              <a:rPr lang="de-DE" u="sng" dirty="0" err="1"/>
               <a:t>pinMode</a:t>
             </a:r>
             <a:r>
-              <a:rPr lang="de-DE" u="sng" dirty="0" smtClean="0"/>
-              <a:t> - Input</a:t>
-            </a:r>
-            <a:endParaRPr lang="de-DE" u="sng" dirty="0"/>
+              <a:rPr lang="de-DE" u="sng" dirty="0"/>
+              <a:t> - Output</a:t>
+            </a:r>
           </a:p>
         </p:txBody>
       </p:sp>
@@ -6014,7 +6019,7 @@
           <p:cNvPr id="3" name="Inhaltsplatzhalter 2">
             <a:extLst>
               <a:ext uri="{FF2B5EF4-FFF2-40B4-BE49-F238E27FC236}">
-                <a16:creationId xmlns="" xmlns:a16="http://schemas.microsoft.com/office/drawing/2014/main" id="{BD0AF6C3-2C56-4D2C-9E30-C1C6F8FA7A9B}"/>
+                <a16:creationId xmlns:a16="http://schemas.microsoft.com/office/drawing/2014/main" id="{BD0AF6C3-2C56-4D2C-9E30-C1C6F8FA7A9B}"/>
               </a:ext>
             </a:extLst>
           </p:cNvPr>
@@ -6027,7 +6032,7 @@
         </p:nvSpPr>
         <p:spPr>
           <a:xfrm>
-            <a:off x="1379463" y="2095275"/>
+            <a:off x="1387627" y="2013632"/>
             <a:ext cx="8596668" cy="3880773"/>
           </a:xfrm>
         </p:spPr>
@@ -6042,7 +6047,7 @@
             </a:pPr>
             <a:r>
               <a:rPr lang="de-DE" dirty="0"/>
-              <a:t>Im Register definieren </a:t>
+              <a:t>DDRD &amp;= ~(1&lt;&lt;2)</a:t>
             </a:r>
             <a:r>
               <a:rPr lang="en-US" dirty="0"/>
@@ -6057,7 +6062,7 @@
             </a:pPr>
             <a:r>
               <a:rPr lang="de-DE" dirty="0"/>
-              <a:t>DDRD |= (1&lt;&lt;4)</a:t>
+              <a:t>Wieder: DDRD = 00100101</a:t>
             </a:r>
             <a:r>
               <a:rPr lang="en-US" dirty="0"/>
@@ -6072,7 +6077,7 @@
             </a:pPr>
             <a:r>
               <a:rPr lang="de-DE" dirty="0"/>
-              <a:t>Nehmen wir an: DDRD = 00100101</a:t>
+              <a:t>Ausführen von DDRD &amp;= ~(1&lt;&lt;2):</a:t>
             </a:r>
             <a:r>
               <a:rPr lang="en-US" dirty="0"/>
@@ -6087,7 +6092,19 @@
             </a:pPr>
             <a:r>
               <a:rPr lang="de-DE" dirty="0"/>
-              <a:t>ausführen von DDRD |= (1&lt;&lt;4):​</a:t>
+              <a:t>1 = 00000001</a:t>
+            </a:r>
+            <a:r>
+              <a:rPr lang="en-US" dirty="0"/>
+              <a:t>​ -&gt; </a:t>
+            </a:r>
+            <a:r>
+              <a:rPr lang="de-DE" dirty="0"/>
+              <a:t>(1&lt;&lt;2) = 00000100</a:t>
+            </a:r>
+            <a:r>
+              <a:rPr lang="en-US" dirty="0"/>
+              <a:t>​</a:t>
             </a:r>
           </a:p>
           <a:p>
@@ -6098,7 +6115,15 @@
             </a:pPr>
             <a:r>
               <a:rPr lang="de-DE" dirty="0"/>
-              <a:t>1 = 00000001​ -&gt; (1&lt;&lt;4) = 00010000</a:t>
+              <a:t>Negieren von (1&lt;&lt;2):</a:t>
+            </a:r>
+            <a:r>
+              <a:rPr lang="en-US" dirty="0"/>
+              <a:t>​ </a:t>
+            </a:r>
+            <a:r>
+              <a:rPr lang="de-DE" dirty="0"/>
+              <a:t>~(1&lt;&lt;2) = 11111011</a:t>
             </a:r>
             <a:r>
               <a:rPr lang="en-US" dirty="0"/>
@@ -6113,7 +6138,7 @@
             </a:pPr>
             <a:r>
               <a:rPr lang="de-DE" dirty="0"/>
-              <a:t>00100101 | 00010000 = 00110101 //4. Bit nun 1</a:t>
+              <a:t>00100101 &amp; 11111011 = 00100001 //2. Bit nun 0</a:t>
             </a:r>
             <a:endParaRPr lang="en-US" dirty="0"/>
           </a:p>
@@ -6125,20 +6150,13 @@
     </p:spTree>
     <p:extLst>
       <p:ext uri="{BB962C8B-B14F-4D97-AF65-F5344CB8AC3E}">
-        <p14:creationId xmlns:p14="http://schemas.microsoft.com/office/powerpoint/2010/main" val="357732715"/>
+        <p14:creationId xmlns:p14="http://schemas.microsoft.com/office/powerpoint/2010/main" val="1964423356"/>
       </p:ext>
     </p:extLst>
   </p:cSld>
   <p:clrMapOvr>
     <a:masterClrMapping/>
   </p:clrMapOvr>
-  <p:timing>
-    <p:tnLst>
-      <p:par>
-        <p:cTn id="1" dur="indefinite" restart="never" nodeType="tmRoot"/>
-      </p:par>
-    </p:tnLst>
-  </p:timing>
 </p:sld>
 </file>
 
@@ -6164,7 +6182,7 @@
           <p:cNvPr id="2" name="Titel 1">
             <a:extLst>
               <a:ext uri="{FF2B5EF4-FFF2-40B4-BE49-F238E27FC236}">
-                <a16:creationId xmlns="" xmlns:a16="http://schemas.microsoft.com/office/drawing/2014/main" id="{CF30B92F-5C88-4BC2-8E68-6C03884CFCEC}"/>
+                <a16:creationId xmlns:a16="http://schemas.microsoft.com/office/drawing/2014/main" id="{C3B0D162-B677-48DF-A352-C5743D228583}"/>
               </a:ext>
             </a:extLst>
           </p:cNvPr>
@@ -6182,9 +6200,12 @@
           <a:p>
             <a:r>
               <a:rPr lang="de-DE" u="sng" dirty="0" err="1"/>
-              <a:t>digitalWrite</a:t>
-            </a:r>
-            <a:endParaRPr lang="de-DE" u="sng" dirty="0"/>
+              <a:t>pinMode</a:t>
+            </a:r>
+            <a:r>
+              <a:rPr lang="de-DE" u="sng" dirty="0"/>
+              <a:t> - Input</a:t>
+            </a:r>
           </a:p>
         </p:txBody>
       </p:sp>
@@ -6193,7 +6214,7 @@
           <p:cNvPr id="3" name="Inhaltsplatzhalter 2">
             <a:extLst>
               <a:ext uri="{FF2B5EF4-FFF2-40B4-BE49-F238E27FC236}">
-                <a16:creationId xmlns="" xmlns:a16="http://schemas.microsoft.com/office/drawing/2014/main" id="{6B393A3A-BFC2-47D9-982C-4A189A6E2BCB}"/>
+                <a16:creationId xmlns:a16="http://schemas.microsoft.com/office/drawing/2014/main" id="{BD0AF6C3-2C56-4D2C-9E30-C1C6F8FA7A9B}"/>
               </a:ext>
             </a:extLst>
           </p:cNvPr>
@@ -6206,8 +6227,8 @@
         </p:nvSpPr>
         <p:spPr>
           <a:xfrm>
-            <a:off x="1412120" y="2103438"/>
-            <a:ext cx="5200952" cy="3880773"/>
+            <a:off x="1379463" y="2095275"/>
+            <a:ext cx="8596668" cy="3880773"/>
           </a:xfrm>
         </p:spPr>
         <p:txBody>
@@ -6221,7 +6242,7 @@
             </a:pPr>
             <a:r>
               <a:rPr lang="de-DE" dirty="0"/>
-              <a:t>Ins Port Register eintragen</a:t>
+              <a:t>Im Register definieren </a:t>
             </a:r>
             <a:r>
               <a:rPr lang="en-US" dirty="0"/>
@@ -6236,18 +6257,7 @@
             </a:pPr>
             <a:r>
               <a:rPr lang="de-DE" dirty="0"/>
-              <a:t>HIGH:​</a:t>
-            </a:r>
-          </a:p>
-          <a:p>
-            <a:pPr lvl="1" fontAlgn="base">
-              <a:lnSpc>
-                <a:spcPct val="150000"/>
-              </a:lnSpc>
-            </a:pPr>
-            <a:r>
-              <a:rPr lang="de-DE" dirty="0"/>
-              <a:t>PORTD |= (1&lt;&lt;4);</a:t>
+              <a:t>DDRD |= (1&lt;&lt;4)</a:t>
             </a:r>
             <a:r>
               <a:rPr lang="en-US" dirty="0"/>
@@ -6262,7 +6272,7 @@
             </a:pPr>
             <a:r>
               <a:rPr lang="de-DE" dirty="0"/>
-              <a:t>LOW:</a:t>
+              <a:t>Nehmen wir an: DDRD = 00100101</a:t>
             </a:r>
             <a:r>
               <a:rPr lang="en-US" dirty="0"/>
@@ -6270,19 +6280,42 @@
             </a:r>
           </a:p>
           <a:p>
-            <a:pPr lvl="1" fontAlgn="base">
+            <a:pPr fontAlgn="base">
               <a:lnSpc>
                 <a:spcPct val="150000"/>
               </a:lnSpc>
             </a:pPr>
             <a:r>
               <a:rPr lang="de-DE" dirty="0"/>
-              <a:t>PORTD &amp;= ~(1&lt;&lt;4);</a:t>
+              <a:t>ausführen von DDRD |= (1&lt;&lt;4):​</a:t>
+            </a:r>
+          </a:p>
+          <a:p>
+            <a:pPr fontAlgn="base">
+              <a:lnSpc>
+                <a:spcPct val="150000"/>
+              </a:lnSpc>
+            </a:pPr>
+            <a:r>
+              <a:rPr lang="de-DE" dirty="0"/>
+              <a:t>1 = 00000001​ -&gt; (1&lt;&lt;4) = 00010000</a:t>
             </a:r>
             <a:r>
               <a:rPr lang="en-US" dirty="0"/>
               <a:t>​</a:t>
             </a:r>
+          </a:p>
+          <a:p>
+            <a:pPr fontAlgn="base">
+              <a:lnSpc>
+                <a:spcPct val="150000"/>
+              </a:lnSpc>
+            </a:pPr>
+            <a:r>
+              <a:rPr lang="de-DE" dirty="0"/>
+              <a:t>00100101 | 00010000 = 00110101 //4. Bit nun 1</a:t>
+            </a:r>
+            <a:endParaRPr lang="en-US" dirty="0"/>
           </a:p>
           <a:p>
             <a:endParaRPr lang="de-DE" dirty="0"/>
@@ -6292,20 +6325,13 @@
     </p:spTree>
     <p:extLst>
       <p:ext uri="{BB962C8B-B14F-4D97-AF65-F5344CB8AC3E}">
-        <p14:creationId xmlns:p14="http://schemas.microsoft.com/office/powerpoint/2010/main" val="2100201289"/>
+        <p14:creationId xmlns:p14="http://schemas.microsoft.com/office/powerpoint/2010/main" val="357732715"/>
       </p:ext>
     </p:extLst>
   </p:cSld>
   <p:clrMapOvr>
     <a:masterClrMapping/>
   </p:clrMapOvr>
-  <p:timing>
-    <p:tnLst>
-      <p:par>
-        <p:cTn id="1" dur="indefinite" restart="never" nodeType="tmRoot"/>
-      </p:par>
-    </p:tnLst>
-  </p:timing>
 </p:sld>
 </file>
 
@@ -6331,7 +6357,7 @@
           <p:cNvPr id="2" name="Titel 1">
             <a:extLst>
               <a:ext uri="{FF2B5EF4-FFF2-40B4-BE49-F238E27FC236}">
-                <a16:creationId xmlns="" xmlns:a16="http://schemas.microsoft.com/office/drawing/2014/main" id="{CF30B92F-5C88-4BC2-8E68-6C03884CFCEC}"/>
+                <a16:creationId xmlns:a16="http://schemas.microsoft.com/office/drawing/2014/main" id="{CF30B92F-5C88-4BC2-8E68-6C03884CFCEC}"/>
               </a:ext>
             </a:extLst>
           </p:cNvPr>
@@ -6348,10 +6374,10 @@
           <a:lstStyle/>
           <a:p>
             <a:r>
-              <a:rPr lang="de-DE" dirty="0" err="1"/>
-              <a:t>digitalRead</a:t>
-            </a:r>
-            <a:endParaRPr lang="de-DE" dirty="0"/>
+              <a:rPr lang="de-DE" u="sng" dirty="0" err="1"/>
+              <a:t>digitalWrite</a:t>
+            </a:r>
+            <a:endParaRPr lang="de-DE" u="sng" dirty="0"/>
           </a:p>
         </p:txBody>
       </p:sp>
@@ -6360,7 +6386,7 @@
           <p:cNvPr id="3" name="Inhaltsplatzhalter 2">
             <a:extLst>
               <a:ext uri="{FF2B5EF4-FFF2-40B4-BE49-F238E27FC236}">
-                <a16:creationId xmlns="" xmlns:a16="http://schemas.microsoft.com/office/drawing/2014/main" id="{6B393A3A-BFC2-47D9-982C-4A189A6E2BCB}"/>
+                <a16:creationId xmlns:a16="http://schemas.microsoft.com/office/drawing/2014/main" id="{6B393A3A-BFC2-47D9-982C-4A189A6E2BCB}"/>
               </a:ext>
             </a:extLst>
           </p:cNvPr>
@@ -6373,8 +6399,8 @@
         </p:nvSpPr>
         <p:spPr>
           <a:xfrm>
-            <a:off x="1240670" y="1785031"/>
-            <a:ext cx="8596668" cy="3880773"/>
+            <a:off x="1412120" y="2103438"/>
+            <a:ext cx="5200952" cy="3880773"/>
           </a:xfrm>
         </p:spPr>
         <p:txBody>
@@ -6388,7 +6414,11 @@
             </a:pPr>
             <a:r>
               <a:rPr lang="de-DE" dirty="0"/>
-              <a:t>(PIND &amp; (1&lt;&lt;4)) </a:t>
+              <a:t>Ins Port Register eintragen</a:t>
+            </a:r>
+            <a:r>
+              <a:rPr lang="en-US" dirty="0"/>
+              <a:t>​</a:t>
             </a:r>
           </a:p>
           <a:p>
@@ -6399,7 +6429,18 @@
             </a:pPr>
             <a:r>
               <a:rPr lang="de-DE" dirty="0"/>
-              <a:t>Nehmen wir an PortD4 ist High</a:t>
+              <a:t>HIGH:​</a:t>
+            </a:r>
+          </a:p>
+          <a:p>
+            <a:pPr lvl="1" fontAlgn="base">
+              <a:lnSpc>
+                <a:spcPct val="150000"/>
+              </a:lnSpc>
+            </a:pPr>
+            <a:r>
+              <a:rPr lang="de-DE" dirty="0"/>
+              <a:t>PORTD |= (1&lt;&lt;4);</a:t>
             </a:r>
             <a:r>
               <a:rPr lang="en-US" dirty="0"/>
@@ -6414,7 +6455,7 @@
             </a:pPr>
             <a:r>
               <a:rPr lang="de-DE" dirty="0"/>
-              <a:t>z.B. PIND = 10010001</a:t>
+              <a:t>LOW:</a:t>
             </a:r>
             <a:r>
               <a:rPr lang="en-US" dirty="0"/>
@@ -6422,73 +6463,19 @@
             </a:r>
           </a:p>
           <a:p>
-            <a:pPr fontAlgn="base">
+            <a:pPr lvl="1" fontAlgn="base">
               <a:lnSpc>
                 <a:spcPct val="150000"/>
               </a:lnSpc>
             </a:pPr>
             <a:r>
               <a:rPr lang="de-DE" dirty="0"/>
-              <a:t>1 = 00000001</a:t>
-            </a:r>
-            <a:r>
-              <a:rPr lang="en-US" dirty="0"/>
-              <a:t>​ -&gt; </a:t>
-            </a:r>
-            <a:r>
-              <a:rPr lang="de-DE" dirty="0"/>
-              <a:t>(1&lt;&lt;4) = 00010000</a:t>
+              <a:t>PORTD &amp;= ~(1&lt;&lt;4);</a:t>
             </a:r>
             <a:r>
               <a:rPr lang="en-US" dirty="0"/>
               <a:t>​</a:t>
             </a:r>
-          </a:p>
-          <a:p>
-            <a:pPr fontAlgn="base">
-              <a:lnSpc>
-                <a:spcPct val="150000"/>
-              </a:lnSpc>
-            </a:pPr>
-            <a:r>
-              <a:rPr lang="de-DE" dirty="0"/>
-              <a:t>10010001 &amp; 00010000 = 00010000 //Das Ergebnis ist 16</a:t>
-            </a:r>
-            <a:r>
-              <a:rPr lang="en-US" dirty="0"/>
-              <a:t>​</a:t>
-            </a:r>
-          </a:p>
-          <a:p>
-            <a:pPr fontAlgn="base">
-              <a:lnSpc>
-                <a:spcPct val="150000"/>
-              </a:lnSpc>
-            </a:pPr>
-            <a:r>
-              <a:rPr lang="de-DE" dirty="0"/>
-              <a:t>Da 16 &gt; 0 erhalten wir </a:t>
-            </a:r>
-            <a:r>
-              <a:rPr lang="de-DE" dirty="0" err="1"/>
-              <a:t>true</a:t>
-            </a:r>
-            <a:r>
-              <a:rPr lang="en-US" dirty="0"/>
-              <a:t>​</a:t>
-            </a:r>
-          </a:p>
-          <a:p>
-            <a:pPr fontAlgn="base">
-              <a:lnSpc>
-                <a:spcPct val="150000"/>
-              </a:lnSpc>
-            </a:pPr>
-            <a:r>
-              <a:rPr lang="de-DE" dirty="0"/>
-              <a:t>Wenn das Ergebnis 0 ist dann ist der Port LOW</a:t>
-            </a:r>
-            <a:endParaRPr lang="en-US" dirty="0"/>
           </a:p>
           <a:p>
             <a:endParaRPr lang="de-DE" dirty="0"/>
@@ -6498,20 +6485,13 @@
     </p:spTree>
     <p:extLst>
       <p:ext uri="{BB962C8B-B14F-4D97-AF65-F5344CB8AC3E}">
-        <p14:creationId xmlns:p14="http://schemas.microsoft.com/office/powerpoint/2010/main" val="3077371597"/>
+        <p14:creationId xmlns:p14="http://schemas.microsoft.com/office/powerpoint/2010/main" val="2100201289"/>
       </p:ext>
     </p:extLst>
   </p:cSld>
   <p:clrMapOvr>
     <a:masterClrMapping/>
   </p:clrMapOvr>
-  <p:timing>
-    <p:tnLst>
-      <p:par>
-        <p:cTn id="1" dur="indefinite" restart="never" nodeType="tmRoot"/>
-      </p:par>
-    </p:tnLst>
-  </p:timing>
 </p:sld>
 </file>
 
@@ -6537,7 +6517,7 @@
           <p:cNvPr id="2" name="Titel 1">
             <a:extLst>
               <a:ext uri="{FF2B5EF4-FFF2-40B4-BE49-F238E27FC236}">
-                <a16:creationId xmlns="" xmlns:a16="http://schemas.microsoft.com/office/drawing/2014/main" id="{BD00A6AC-9D22-48B6-9C10-8CBEEA6ADD45}"/>
+                <a16:creationId xmlns:a16="http://schemas.microsoft.com/office/drawing/2014/main" id="{CF30B92F-5C88-4BC2-8E68-6C03884CFCEC}"/>
               </a:ext>
             </a:extLst>
           </p:cNvPr>
@@ -6554,9 +6534,10 @@
           <a:lstStyle/>
           <a:p>
             <a:r>
-              <a:rPr lang="de-DE" u="sng" dirty="0"/>
-              <a:t>Temperatur- und Luftfeuchtigkeitssensor</a:t>
-            </a:r>
+              <a:rPr lang="de-DE" u="sng" dirty="0" err="1"/>
+              <a:t>digitalRead</a:t>
+            </a:r>
+            <a:endParaRPr lang="de-DE" u="sng" dirty="0"/>
           </a:p>
         </p:txBody>
       </p:sp>
@@ -6565,7 +6546,291 @@
           <p:cNvPr id="3" name="Inhaltsplatzhalter 2">
             <a:extLst>
               <a:ext uri="{FF2B5EF4-FFF2-40B4-BE49-F238E27FC236}">
-                <a16:creationId xmlns="" xmlns:a16="http://schemas.microsoft.com/office/drawing/2014/main" id="{C57FCB4F-CD98-4BF1-8DF2-F81324CAB3BF}"/>
+                <a16:creationId xmlns:a16="http://schemas.microsoft.com/office/drawing/2014/main" id="{6B393A3A-BFC2-47D9-982C-4A189A6E2BCB}"/>
+              </a:ext>
+            </a:extLst>
+          </p:cNvPr>
+          <p:cNvSpPr>
+            <a:spLocks noGrp="1"/>
+          </p:cNvSpPr>
+          <p:nvPr>
+            <p:ph idx="1"/>
+          </p:nvPr>
+        </p:nvSpPr>
+        <p:spPr>
+          <a:xfrm>
+            <a:off x="1240670" y="1785031"/>
+            <a:ext cx="8596668" cy="3880773"/>
+          </a:xfrm>
+        </p:spPr>
+        <p:txBody>
+          <a:bodyPr/>
+          <a:lstStyle/>
+          <a:p>
+            <a:pPr fontAlgn="base">
+              <a:lnSpc>
+                <a:spcPct val="150000"/>
+              </a:lnSpc>
+            </a:pPr>
+            <a:r>
+              <a:rPr lang="de-DE" dirty="0"/>
+              <a:t>(PIND &amp; (1&lt;&lt;4)) </a:t>
+            </a:r>
+          </a:p>
+          <a:p>
+            <a:pPr fontAlgn="base">
+              <a:lnSpc>
+                <a:spcPct val="150000"/>
+              </a:lnSpc>
+            </a:pPr>
+            <a:r>
+              <a:rPr lang="de-DE" dirty="0"/>
+              <a:t>Nehmen wir an PortD4 ist High</a:t>
+            </a:r>
+            <a:r>
+              <a:rPr lang="en-US" dirty="0"/>
+              <a:t>​</a:t>
+            </a:r>
+          </a:p>
+          <a:p>
+            <a:pPr fontAlgn="base">
+              <a:lnSpc>
+                <a:spcPct val="150000"/>
+              </a:lnSpc>
+            </a:pPr>
+            <a:r>
+              <a:rPr lang="de-DE" dirty="0"/>
+              <a:t>z.B. PIND = 10010001</a:t>
+            </a:r>
+            <a:r>
+              <a:rPr lang="en-US" dirty="0"/>
+              <a:t>​</a:t>
+            </a:r>
+          </a:p>
+          <a:p>
+            <a:pPr fontAlgn="base">
+              <a:lnSpc>
+                <a:spcPct val="150000"/>
+              </a:lnSpc>
+            </a:pPr>
+            <a:r>
+              <a:rPr lang="de-DE" dirty="0"/>
+              <a:t>1 = 00000001</a:t>
+            </a:r>
+            <a:r>
+              <a:rPr lang="en-US" dirty="0"/>
+              <a:t>​ -&gt; </a:t>
+            </a:r>
+            <a:r>
+              <a:rPr lang="de-DE" dirty="0"/>
+              <a:t>(1&lt;&lt;4) = 00010000</a:t>
+            </a:r>
+            <a:r>
+              <a:rPr lang="en-US" dirty="0"/>
+              <a:t>​</a:t>
+            </a:r>
+          </a:p>
+          <a:p>
+            <a:pPr fontAlgn="base">
+              <a:lnSpc>
+                <a:spcPct val="150000"/>
+              </a:lnSpc>
+            </a:pPr>
+            <a:r>
+              <a:rPr lang="de-DE" dirty="0"/>
+              <a:t>10010001 &amp; 00010000 = 00010000 //Das Ergebnis ist 16</a:t>
+            </a:r>
+            <a:r>
+              <a:rPr lang="en-US" dirty="0"/>
+              <a:t>​</a:t>
+            </a:r>
+          </a:p>
+          <a:p>
+            <a:pPr fontAlgn="base">
+              <a:lnSpc>
+                <a:spcPct val="150000"/>
+              </a:lnSpc>
+            </a:pPr>
+            <a:r>
+              <a:rPr lang="de-DE" dirty="0"/>
+              <a:t>Da 16 &gt; 0 erhalten wir </a:t>
+            </a:r>
+            <a:r>
+              <a:rPr lang="de-DE" dirty="0" err="1"/>
+              <a:t>true</a:t>
+            </a:r>
+            <a:r>
+              <a:rPr lang="en-US" dirty="0"/>
+              <a:t>​</a:t>
+            </a:r>
+          </a:p>
+          <a:p>
+            <a:pPr fontAlgn="base">
+              <a:lnSpc>
+                <a:spcPct val="150000"/>
+              </a:lnSpc>
+            </a:pPr>
+            <a:r>
+              <a:rPr lang="de-DE" dirty="0"/>
+              <a:t>Wenn das Ergebnis 0 ist dann ist der Port LOW</a:t>
+            </a:r>
+            <a:endParaRPr lang="en-US" dirty="0"/>
+          </a:p>
+          <a:p>
+            <a:endParaRPr lang="de-DE" dirty="0"/>
+          </a:p>
+        </p:txBody>
+      </p:sp>
+    </p:spTree>
+    <p:extLst>
+      <p:ext uri="{BB962C8B-B14F-4D97-AF65-F5344CB8AC3E}">
+        <p14:creationId xmlns:p14="http://schemas.microsoft.com/office/powerpoint/2010/main" val="3077371597"/>
+      </p:ext>
+    </p:extLst>
+  </p:cSld>
+  <p:clrMapOvr>
+    <a:masterClrMapping/>
+  </p:clrMapOvr>
+</p:sld>
+</file>
+
+<file path=ppt/slides/slide14.xml><?xml version="1.0" encoding="utf-8"?>
+<p:sld xmlns:a="http://schemas.openxmlformats.org/drawingml/2006/main" xmlns:r="http://schemas.openxmlformats.org/officeDocument/2006/relationships" xmlns:p="http://schemas.openxmlformats.org/presentationml/2006/main">
+  <p:cSld>
+    <p:spTree>
+      <p:nvGrpSpPr>
+        <p:cNvPr id="1" name=""/>
+        <p:cNvGrpSpPr/>
+        <p:nvPr/>
+      </p:nvGrpSpPr>
+      <p:grpSpPr>
+        <a:xfrm>
+          <a:off x="0" y="0"/>
+          <a:ext cx="0" cy="0"/>
+          <a:chOff x="0" y="0"/>
+          <a:chExt cx="0" cy="0"/>
+        </a:xfrm>
+      </p:grpSpPr>
+      <p:sp>
+        <p:nvSpPr>
+          <p:cNvPr id="2" name="Titel 1">
+            <a:extLst>
+              <a:ext uri="{FF2B5EF4-FFF2-40B4-BE49-F238E27FC236}">
+                <a16:creationId xmlns:a16="http://schemas.microsoft.com/office/drawing/2014/main" id="{DE145A55-F927-460A-9F6B-9FD21E0DD067}"/>
+              </a:ext>
+            </a:extLst>
+          </p:cNvPr>
+          <p:cNvSpPr>
+            <a:spLocks noGrp="1"/>
+          </p:cNvSpPr>
+          <p:nvPr>
+            <p:ph type="title"/>
+          </p:nvPr>
+        </p:nvSpPr>
+        <p:spPr/>
+        <p:txBody>
+          <a:bodyPr/>
+          <a:lstStyle/>
+          <a:p>
+            <a:r>
+              <a:rPr lang="de-DE" dirty="0"/>
+              <a:t>Fehlerbehebung:</a:t>
+            </a:r>
+          </a:p>
+        </p:txBody>
+      </p:sp>
+      <p:sp>
+        <p:nvSpPr>
+          <p:cNvPr id="3" name="Inhaltsplatzhalter 2">
+            <a:extLst>
+              <a:ext uri="{FF2B5EF4-FFF2-40B4-BE49-F238E27FC236}">
+                <a16:creationId xmlns:a16="http://schemas.microsoft.com/office/drawing/2014/main" id="{C2729693-B85F-47F8-840B-B192E6A0505D}"/>
+              </a:ext>
+            </a:extLst>
+          </p:cNvPr>
+          <p:cNvSpPr>
+            <a:spLocks noGrp="1"/>
+          </p:cNvSpPr>
+          <p:nvPr>
+            <p:ph idx="1"/>
+          </p:nvPr>
+        </p:nvSpPr>
+        <p:spPr/>
+        <p:txBody>
+          <a:bodyPr/>
+          <a:lstStyle/>
+          <a:p>
+            <a:r>
+              <a:rPr lang="de-DE" dirty="0"/>
+              <a:t>Byte code, weiße Kästchen, mit Temperatur F_CPU -&gt;UL </a:t>
+            </a:r>
+          </a:p>
+        </p:txBody>
+      </p:sp>
+    </p:spTree>
+    <p:extLst>
+      <p:ext uri="{BB962C8B-B14F-4D97-AF65-F5344CB8AC3E}">
+        <p14:creationId xmlns:p14="http://schemas.microsoft.com/office/powerpoint/2010/main" val="3102241429"/>
+      </p:ext>
+    </p:extLst>
+  </p:cSld>
+  <p:clrMapOvr>
+    <a:masterClrMapping/>
+  </p:clrMapOvr>
+</p:sld>
+</file>
+
+<file path=ppt/slides/slide15.xml><?xml version="1.0" encoding="utf-8"?>
+<p:sld xmlns:a="http://schemas.openxmlformats.org/drawingml/2006/main" xmlns:r="http://schemas.openxmlformats.org/officeDocument/2006/relationships" xmlns:p="http://schemas.openxmlformats.org/presentationml/2006/main">
+  <p:cSld>
+    <p:spTree>
+      <p:nvGrpSpPr>
+        <p:cNvPr id="1" name=""/>
+        <p:cNvGrpSpPr/>
+        <p:nvPr/>
+      </p:nvGrpSpPr>
+      <p:grpSpPr>
+        <a:xfrm>
+          <a:off x="0" y="0"/>
+          <a:ext cx="0" cy="0"/>
+          <a:chOff x="0" y="0"/>
+          <a:chExt cx="0" cy="0"/>
+        </a:xfrm>
+      </p:grpSpPr>
+      <p:sp>
+        <p:nvSpPr>
+          <p:cNvPr id="2" name="Titel 1">
+            <a:extLst>
+              <a:ext uri="{FF2B5EF4-FFF2-40B4-BE49-F238E27FC236}">
+                <a16:creationId xmlns:a16="http://schemas.microsoft.com/office/drawing/2014/main" id="{BD00A6AC-9D22-48B6-9C10-8CBEEA6ADD45}"/>
+              </a:ext>
+            </a:extLst>
+          </p:cNvPr>
+          <p:cNvSpPr>
+            <a:spLocks noGrp="1"/>
+          </p:cNvSpPr>
+          <p:nvPr>
+            <p:ph type="title"/>
+          </p:nvPr>
+        </p:nvSpPr>
+        <p:spPr/>
+        <p:txBody>
+          <a:bodyPr/>
+          <a:lstStyle/>
+          <a:p>
+            <a:r>
+              <a:rPr lang="de-DE" u="sng" dirty="0"/>
+              <a:t>Temperatur- und Luftfeuchtigkeitssensor</a:t>
+            </a:r>
+          </a:p>
+        </p:txBody>
+      </p:sp>
+      <p:sp>
+        <p:nvSpPr>
+          <p:cNvPr id="3" name="Inhaltsplatzhalter 2">
+            <a:extLst>
+              <a:ext uri="{FF2B5EF4-FFF2-40B4-BE49-F238E27FC236}">
+                <a16:creationId xmlns:a16="http://schemas.microsoft.com/office/drawing/2014/main" id="{C57FCB4F-CD98-4BF1-8DF2-F81324CAB3BF}"/>
               </a:ext>
             </a:extLst>
           </p:cNvPr>
@@ -6647,7 +6912,7 @@
           <p:cNvPr id="5" name="Grafik 4">
             <a:extLst>
               <a:ext uri="{FF2B5EF4-FFF2-40B4-BE49-F238E27FC236}">
-                <a16:creationId xmlns="" xmlns:a16="http://schemas.microsoft.com/office/drawing/2014/main" id="{ED16844B-6CDF-4139-94B8-07B6BD919025}"/>
+                <a16:creationId xmlns:a16="http://schemas.microsoft.com/office/drawing/2014/main" id="{ED16844B-6CDF-4139-94B8-07B6BD919025}"/>
               </a:ext>
             </a:extLst>
           </p:cNvPr>
@@ -6688,17 +6953,10 @@
   <p:clrMapOvr>
     <a:masterClrMapping/>
   </p:clrMapOvr>
-  <p:timing>
-    <p:tnLst>
-      <p:par>
-        <p:cTn id="1" dur="indefinite" restart="never" nodeType="tmRoot"/>
-      </p:par>
-    </p:tnLst>
-  </p:timing>
 </p:sld>
 </file>
 
-<file path=ppt/slides/slide14.xml><?xml version="1.0" encoding="utf-8"?>
+<file path=ppt/slides/slide16.xml><?xml version="1.0" encoding="utf-8"?>
 <p:sld xmlns:a="http://schemas.openxmlformats.org/drawingml/2006/main" xmlns:r="http://schemas.openxmlformats.org/officeDocument/2006/relationships" xmlns:p="http://schemas.openxmlformats.org/presentationml/2006/main">
   <p:cSld>
     <p:spTree>
@@ -6720,7 +6978,7 @@
           <p:cNvPr id="2" name="Titel 1">
             <a:extLst>
               <a:ext uri="{FF2B5EF4-FFF2-40B4-BE49-F238E27FC236}">
-                <a16:creationId xmlns="" xmlns:a16="http://schemas.microsoft.com/office/drawing/2014/main" id="{673CAD30-A852-49FF-98EA-D449C752828C}"/>
+                <a16:creationId xmlns:a16="http://schemas.microsoft.com/office/drawing/2014/main" id="{673CAD30-A852-49FF-98EA-D449C752828C}"/>
               </a:ext>
             </a:extLst>
           </p:cNvPr>
@@ -6748,7 +7006,7 @@
           <p:cNvPr id="6" name="Inhaltsplatzhalter 5">
             <a:extLst>
               <a:ext uri="{FF2B5EF4-FFF2-40B4-BE49-F238E27FC236}">
-                <a16:creationId xmlns="" xmlns:a16="http://schemas.microsoft.com/office/drawing/2014/main" id="{5A5277B5-512D-422A-9CE0-083C4477AFEC}"/>
+                <a16:creationId xmlns:a16="http://schemas.microsoft.com/office/drawing/2014/main" id="{5A5277B5-512D-422A-9CE0-083C4477AFEC}"/>
               </a:ext>
             </a:extLst>
           </p:cNvPr>
@@ -6788,17 +7046,10 @@
   <p:clrMapOvr>
     <a:masterClrMapping/>
   </p:clrMapOvr>
-  <p:timing>
-    <p:tnLst>
-      <p:par>
-        <p:cTn id="1" dur="indefinite" restart="never" nodeType="tmRoot"/>
-      </p:par>
-    </p:tnLst>
-  </p:timing>
 </p:sld>
 </file>
 
-<file path=ppt/slides/slide15.xml><?xml version="1.0" encoding="utf-8"?>
+<file path=ppt/slides/slide17.xml><?xml version="1.0" encoding="utf-8"?>
 <p:sld xmlns:a="http://schemas.openxmlformats.org/drawingml/2006/main" xmlns:r="http://schemas.openxmlformats.org/officeDocument/2006/relationships" xmlns:p="http://schemas.openxmlformats.org/presentationml/2006/main">
   <p:cSld>
     <p:spTree>
@@ -6820,7 +7071,7 @@
           <p:cNvPr id="2" name="Titel 1">
             <a:extLst>
               <a:ext uri="{FF2B5EF4-FFF2-40B4-BE49-F238E27FC236}">
-                <a16:creationId xmlns="" xmlns:a16="http://schemas.microsoft.com/office/drawing/2014/main" id="{485377B4-E647-4CBF-BEE9-29FB4DD00DBD}"/>
+                <a16:creationId xmlns:a16="http://schemas.microsoft.com/office/drawing/2014/main" id="{485377B4-E647-4CBF-BEE9-29FB4DD00DBD}"/>
               </a:ext>
             </a:extLst>
           </p:cNvPr>
@@ -6848,7 +7099,7 @@
           <p:cNvPr id="5" name="Inhaltsplatzhalter 4">
             <a:extLst>
               <a:ext uri="{FF2B5EF4-FFF2-40B4-BE49-F238E27FC236}">
-                <a16:creationId xmlns="" xmlns:a16="http://schemas.microsoft.com/office/drawing/2014/main" id="{99561D73-5C79-45A8-8E67-1FCC8F8838C1}"/>
+                <a16:creationId xmlns:a16="http://schemas.microsoft.com/office/drawing/2014/main" id="{99561D73-5C79-45A8-8E67-1FCC8F8838C1}"/>
               </a:ext>
             </a:extLst>
           </p:cNvPr>
@@ -6888,17 +7139,10 @@
   <p:clrMapOvr>
     <a:masterClrMapping/>
   </p:clrMapOvr>
-  <p:timing>
-    <p:tnLst>
-      <p:par>
-        <p:cTn id="1" dur="indefinite" restart="never" nodeType="tmRoot"/>
-      </p:par>
-    </p:tnLst>
-  </p:timing>
 </p:sld>
 </file>
 
-<file path=ppt/slides/slide16.xml><?xml version="1.0" encoding="utf-8"?>
+<file path=ppt/slides/slide18.xml><?xml version="1.0" encoding="utf-8"?>
 <p:sld xmlns:a="http://schemas.openxmlformats.org/drawingml/2006/main" xmlns:r="http://schemas.openxmlformats.org/officeDocument/2006/relationships" xmlns:p="http://schemas.openxmlformats.org/presentationml/2006/main">
   <p:cSld>
     <p:spTree>
@@ -6920,7 +7164,7 @@
           <p:cNvPr id="2" name="Titel 1">
             <a:extLst>
               <a:ext uri="{FF2B5EF4-FFF2-40B4-BE49-F238E27FC236}">
-                <a16:creationId xmlns="" xmlns:a16="http://schemas.microsoft.com/office/drawing/2014/main" id="{E0B6E5AD-122F-4CF5-BC4C-EFC0D4ACE869}"/>
+                <a16:creationId xmlns:a16="http://schemas.microsoft.com/office/drawing/2014/main" id="{E0B6E5AD-122F-4CF5-BC4C-EFC0D4ACE869}"/>
               </a:ext>
             </a:extLst>
           </p:cNvPr>
@@ -6948,7 +7192,7 @@
           <p:cNvPr id="6" name="Inhaltsplatzhalter 5">
             <a:extLst>
               <a:ext uri="{FF2B5EF4-FFF2-40B4-BE49-F238E27FC236}">
-                <a16:creationId xmlns="" xmlns:a16="http://schemas.microsoft.com/office/drawing/2014/main" id="{3AD8F533-A873-47FB-A0B1-93267B23F61D}"/>
+                <a16:creationId xmlns:a16="http://schemas.microsoft.com/office/drawing/2014/main" id="{3AD8F533-A873-47FB-A0B1-93267B23F61D}"/>
               </a:ext>
             </a:extLst>
           </p:cNvPr>
@@ -6988,17 +7232,10 @@
   <p:clrMapOvr>
     <a:masterClrMapping/>
   </p:clrMapOvr>
-  <p:timing>
-    <p:tnLst>
-      <p:par>
-        <p:cTn id="1" dur="indefinite" restart="never" nodeType="tmRoot"/>
-      </p:par>
-    </p:tnLst>
-  </p:timing>
 </p:sld>
 </file>
 
-<file path=ppt/slides/slide17.xml><?xml version="1.0" encoding="utf-8"?>
+<file path=ppt/slides/slide19.xml><?xml version="1.0" encoding="utf-8"?>
 <p:sld xmlns:a="http://schemas.openxmlformats.org/drawingml/2006/main" xmlns:r="http://schemas.openxmlformats.org/officeDocument/2006/relationships" xmlns:p="http://schemas.openxmlformats.org/presentationml/2006/main">
   <p:cSld>
     <p:spTree>
@@ -7020,7 +7257,7 @@
           <p:cNvPr id="2" name="Titel 1">
             <a:extLst>
               <a:ext uri="{FF2B5EF4-FFF2-40B4-BE49-F238E27FC236}">
-                <a16:creationId xmlns="" xmlns:a16="http://schemas.microsoft.com/office/drawing/2014/main" id="{EBAF9661-8443-4143-AA17-D24BB5663DDB}"/>
+                <a16:creationId xmlns:a16="http://schemas.microsoft.com/office/drawing/2014/main" id="{EBAF9661-8443-4143-AA17-D24BB5663DDB}"/>
               </a:ext>
             </a:extLst>
           </p:cNvPr>
@@ -7048,7 +7285,7 @@
           <p:cNvPr id="3" name="Inhaltsplatzhalter 2">
             <a:extLst>
               <a:ext uri="{FF2B5EF4-FFF2-40B4-BE49-F238E27FC236}">
-                <a16:creationId xmlns="" xmlns:a16="http://schemas.microsoft.com/office/drawing/2014/main" id="{459F42FC-109F-4B1E-9415-C2080867D494}"/>
+                <a16:creationId xmlns:a16="http://schemas.microsoft.com/office/drawing/2014/main" id="{459F42FC-109F-4B1E-9415-C2080867D494}"/>
               </a:ext>
             </a:extLst>
           </p:cNvPr>
@@ -7078,13 +7315,6 @@
   <p:clrMapOvr>
     <a:masterClrMapping/>
   </p:clrMapOvr>
-  <p:timing>
-    <p:tnLst>
-      <p:par>
-        <p:cTn id="1" dur="indefinite" restart="never" nodeType="tmRoot"/>
-      </p:par>
-    </p:tnLst>
-  </p:timing>
 </p:sld>
 </file>
 
@@ -7110,7 +7340,7 @@
           <p:cNvPr id="2" name="Titel 1">
             <a:extLst>
               <a:ext uri="{FF2B5EF4-FFF2-40B4-BE49-F238E27FC236}">
-                <a16:creationId xmlns="" xmlns:a16="http://schemas.microsoft.com/office/drawing/2014/main" id="{EE167D8E-97C9-4A8A-937D-5AE6AF784D30}"/>
+                <a16:creationId xmlns:a16="http://schemas.microsoft.com/office/drawing/2014/main" id="{EE167D8E-97C9-4A8A-937D-5AE6AF784D30}"/>
               </a:ext>
             </a:extLst>
           </p:cNvPr>
@@ -7138,7 +7368,7 @@
           <p:cNvPr id="5" name="Inhaltsplatzhalter 4">
             <a:extLst>
               <a:ext uri="{FF2B5EF4-FFF2-40B4-BE49-F238E27FC236}">
-                <a16:creationId xmlns="" xmlns:a16="http://schemas.microsoft.com/office/drawing/2014/main" id="{43FB2C26-A05D-407C-83E6-03BC6DD8873B}"/>
+                <a16:creationId xmlns:a16="http://schemas.microsoft.com/office/drawing/2014/main" id="{43FB2C26-A05D-407C-83E6-03BC6DD8873B}"/>
               </a:ext>
             </a:extLst>
           </p:cNvPr>
@@ -7163,7 +7393,7 @@
         </p:blipFill>
         <p:spPr>
           <a:xfrm>
-            <a:off x="4857750" y="1276641"/>
+            <a:off x="4623981" y="1378603"/>
             <a:ext cx="4572098" cy="4572098"/>
           </a:xfrm>
           <a:prstGeom prst="rect">
@@ -7193,8 +7423,8 @@
         </p:nvSpPr>
         <p:spPr>
           <a:xfrm>
-            <a:off x="7919357" y="2432957"/>
-            <a:ext cx="310243" cy="244929"/>
+            <a:off x="8376556" y="2391509"/>
+            <a:ext cx="310243" cy="295962"/>
           </a:xfrm>
           <a:prstGeom prst="rect">
             <a:avLst/>
@@ -7351,7 +7581,7 @@
               <a:buChar char=""/>
             </a:pPr>
             <a:r>
-              <a:rPr lang="de-DE" dirty="0" smtClean="0">
+              <a:rPr lang="de-DE" dirty="0">
                 <a:solidFill>
                   <a:schemeClr val="tx1">
                     <a:lumMod val="75000"/>
@@ -7361,14 +7591,6 @@
               </a:rPr>
               <a:t>Abstandsensor</a:t>
             </a:r>
-            <a:endParaRPr lang="de-DE" dirty="0">
-              <a:solidFill>
-                <a:schemeClr val="tx1">
-                  <a:lumMod val="75000"/>
-                  <a:lumOff val="25000"/>
-                </a:schemeClr>
-              </a:solidFill>
-            </a:endParaRPr>
           </a:p>
           <a:p>
             <a:pPr marL="800100" lvl="2" indent="-342900">
@@ -7470,13 +7692,6 @@
   <p:clrMapOvr>
     <a:masterClrMapping/>
   </p:clrMapOvr>
-  <p:timing>
-    <p:tnLst>
-      <p:par>
-        <p:cTn id="1" dur="indefinite" restart="never" nodeType="tmRoot"/>
-      </p:par>
-    </p:tnLst>
-  </p:timing>
 </p:sld>
 </file>
 
@@ -7502,7 +7717,7 @@
           <p:cNvPr id="2" name="Titel 1">
             <a:extLst>
               <a:ext uri="{FF2B5EF4-FFF2-40B4-BE49-F238E27FC236}">
-                <a16:creationId xmlns="" xmlns:a16="http://schemas.microsoft.com/office/drawing/2014/main" id="{56001D69-CA88-41A6-B3E9-484DCA79DBAF}"/>
+                <a16:creationId xmlns:a16="http://schemas.microsoft.com/office/drawing/2014/main" id="{56001D69-CA88-41A6-B3E9-484DCA79DBAF}"/>
               </a:ext>
             </a:extLst>
           </p:cNvPr>
@@ -7519,19 +7734,54 @@
           <a:lstStyle/>
           <a:p>
             <a:r>
-              <a:rPr lang="de-DE" u="sng" dirty="0" smtClean="0"/>
+              <a:rPr lang="de-DE" dirty="0"/>
               <a:t>Einparksensor</a:t>
             </a:r>
-            <a:endParaRPr lang="de-DE" u="sng" dirty="0"/>
-          </a:p>
-        </p:txBody>
-      </p:sp>
+          </a:p>
+        </p:txBody>
+      </p:sp>
+      <p:pic>
+        <p:nvPicPr>
+          <p:cNvPr id="4" name="Grafik 3">
+            <a:extLst>
+              <a:ext uri="{FF2B5EF4-FFF2-40B4-BE49-F238E27FC236}">
+                <a16:creationId xmlns:a16="http://schemas.microsoft.com/office/drawing/2014/main" id="{CDE7EFBF-FCC7-40F3-A1CA-A99E872097A9}"/>
+              </a:ext>
+            </a:extLst>
+          </p:cNvPr>
+          <p:cNvPicPr>
+            <a:picLocks noChangeAspect="1"/>
+          </p:cNvPicPr>
+          <p:nvPr/>
+        </p:nvPicPr>
+        <p:blipFill>
+          <a:blip r:embed="rId2">
+            <a:extLst>
+              <a:ext uri="{28A0092B-C50C-407E-A947-70E740481C1C}">
+                <a14:useLocalDpi xmlns:a14="http://schemas.microsoft.com/office/drawing/2010/main" val="0"/>
+              </a:ext>
+            </a:extLst>
+          </a:blip>
+          <a:stretch>
+            <a:fillRect/>
+          </a:stretch>
+        </p:blipFill>
+        <p:spPr>
+          <a:xfrm>
+            <a:off x="677334" y="1477814"/>
+            <a:ext cx="7692225" cy="4535874"/>
+          </a:xfrm>
+          <a:prstGeom prst="rect">
+            <a:avLst/>
+          </a:prstGeom>
+        </p:spPr>
+      </p:pic>
       <p:pic>
         <p:nvPicPr>
           <p:cNvPr id="5" name="Inhaltsplatzhalter 4">
             <a:extLst>
               <a:ext uri="{FF2B5EF4-FFF2-40B4-BE49-F238E27FC236}">
-                <a16:creationId xmlns="" xmlns:a16="http://schemas.microsoft.com/office/drawing/2014/main" id="{E5154494-B2D6-4DF6-AD43-EBB2BFBB3DD9}"/>
+                <a16:creationId xmlns:a16="http://schemas.microsoft.com/office/drawing/2014/main" id="{E5154494-B2D6-4DF6-AD43-EBB2BFBB3DD9}"/>
               </a:ext>
             </a:extLst>
           </p:cNvPr>
@@ -7543,7 +7793,7 @@
           </p:nvPr>
         </p:nvPicPr>
         <p:blipFill rotWithShape="1">
-          <a:blip r:embed="rId2" cstate="print">
+          <a:blip r:embed="rId3" cstate="print">
             <a:extLst>
               <a:ext uri="{28A0092B-C50C-407E-A947-70E740481C1C}">
                 <a14:useLocalDpi xmlns:a14="http://schemas.microsoft.com/office/drawing/2010/main" val="0"/>
@@ -7555,149 +7805,9 @@
         </p:blipFill>
         <p:spPr>
           <a:xfrm>
-            <a:off x="5336642" y="1736269"/>
-            <a:ext cx="3831849" cy="3625255"/>
+            <a:off x="6095282" y="2966914"/>
+            <a:ext cx="3505200" cy="3316255"/>
           </a:xfrm>
-          <a:prstGeom prst="rect">
-            <a:avLst/>
-          </a:prstGeom>
-          <a:ln w="38100" cap="sq">
-            <a:solidFill>
-              <a:srgbClr val="000000"/>
-            </a:solidFill>
-            <a:prstDash val="solid"/>
-            <a:miter lim="800000"/>
-          </a:ln>
-          <a:effectLst>
-            <a:outerShdw blurRad="50800" dist="38100" dir="2700000" algn="tl" rotWithShape="0">
-              <a:srgbClr val="000000">
-                <a:alpha val="43000"/>
-              </a:srgbClr>
-            </a:outerShdw>
-          </a:effectLst>
-        </p:spPr>
-      </p:pic>
-      <p:pic>
-        <p:nvPicPr>
-          <p:cNvPr id="2050" name="Picture 2" descr="C:\Users\Gregor\Desktop\unistuff\5. Semester\IoT\Deklarationen.PNG"/>
-          <p:cNvPicPr>
-            <a:picLocks noChangeAspect="1" noChangeArrowheads="1"/>
-          </p:cNvPicPr>
-          <p:nvPr/>
-        </p:nvPicPr>
-        <p:blipFill>
-          <a:blip r:embed="rId3">
-            <a:extLst>
-              <a:ext uri="{28A0092B-C50C-407E-A947-70E740481C1C}">
-                <a14:useLocalDpi xmlns:a14="http://schemas.microsoft.com/office/drawing/2010/main" val="0"/>
-              </a:ext>
-            </a:extLst>
-          </a:blip>
-          <a:srcRect/>
-          <a:stretch>
-            <a:fillRect/>
-          </a:stretch>
-        </p:blipFill>
-        <p:spPr bwMode="auto">
-          <a:xfrm>
-            <a:off x="1301521" y="1589088"/>
-            <a:ext cx="3714750" cy="1247775"/>
-          </a:xfrm>
-          <a:prstGeom prst="rect">
-            <a:avLst/>
-          </a:prstGeom>
-          <a:noFill/>
-          <a:extLst>
-            <a:ext uri="{909E8E84-426E-40DD-AFC4-6F175D3DCCD1}">
-              <a14:hiddenFill xmlns:a14="http://schemas.microsoft.com/office/drawing/2010/main">
-                <a:solidFill>
-                  <a:srgbClr val="FFFFFF"/>
-                </a:solidFill>
-              </a14:hiddenFill>
-            </a:ext>
-          </a:extLst>
-        </p:spPr>
-      </p:pic>
-      <p:pic>
-        <p:nvPicPr>
-          <p:cNvPr id="2051" name="Picture 3" descr="C:\Users\Gregor\Desktop\unistuff\5. Semester\IoT\loop.PNG"/>
-          <p:cNvPicPr>
-            <a:picLocks noChangeAspect="1" noChangeArrowheads="1"/>
-          </p:cNvPicPr>
-          <p:nvPr/>
-        </p:nvPicPr>
-        <p:blipFill>
-          <a:blip r:embed="rId4">
-            <a:extLst>
-              <a:ext uri="{28A0092B-C50C-407E-A947-70E740481C1C}">
-                <a14:useLocalDpi xmlns:a14="http://schemas.microsoft.com/office/drawing/2010/main" val="0"/>
-              </a:ext>
-            </a:extLst>
-          </a:blip>
-          <a:srcRect/>
-          <a:stretch>
-            <a:fillRect/>
-          </a:stretch>
-        </p:blipFill>
-        <p:spPr bwMode="auto">
-          <a:xfrm>
-            <a:off x="1301520" y="3617913"/>
-            <a:ext cx="2295525" cy="2628900"/>
-          </a:xfrm>
-          <a:prstGeom prst="rect">
-            <a:avLst/>
-          </a:prstGeom>
-          <a:noFill/>
-          <a:extLst>
-            <a:ext uri="{909E8E84-426E-40DD-AFC4-6F175D3DCCD1}">
-              <a14:hiddenFill xmlns:a14="http://schemas.microsoft.com/office/drawing/2010/main">
-                <a:solidFill>
-                  <a:srgbClr val="FFFFFF"/>
-                </a:solidFill>
-              </a14:hiddenFill>
-            </a:ext>
-          </a:extLst>
-        </p:spPr>
-      </p:pic>
-      <p:pic>
-        <p:nvPicPr>
-          <p:cNvPr id="2052" name="Picture 4" descr="C:\Users\Gregor\Desktop\unistuff\5. Semester\IoT\setDelay.PNG"/>
-          <p:cNvPicPr>
-            <a:picLocks noChangeAspect="1" noChangeArrowheads="1"/>
-          </p:cNvPicPr>
-          <p:nvPr/>
-        </p:nvPicPr>
-        <p:blipFill>
-          <a:blip r:embed="rId5">
-            <a:extLst>
-              <a:ext uri="{28A0092B-C50C-407E-A947-70E740481C1C}">
-                <a14:useLocalDpi xmlns:a14="http://schemas.microsoft.com/office/drawing/2010/main" val="0"/>
-              </a:ext>
-            </a:extLst>
-          </a:blip>
-          <a:srcRect/>
-          <a:stretch>
-            <a:fillRect/>
-          </a:stretch>
-        </p:blipFill>
-        <p:spPr bwMode="auto">
-          <a:xfrm>
-            <a:off x="1301521" y="2836863"/>
-            <a:ext cx="1857375" cy="781050"/>
-          </a:xfrm>
-          <a:prstGeom prst="rect">
-            <a:avLst/>
-          </a:prstGeom>
-          <a:noFill/>
-          <a:extLst>
-            <a:ext uri="{909E8E84-426E-40DD-AFC4-6F175D3DCCD1}">
-              <a14:hiddenFill xmlns:a14="http://schemas.microsoft.com/office/drawing/2010/main">
-                <a:solidFill>
-                  <a:srgbClr val="FFFFFF"/>
-                </a:solidFill>
-              </a14:hiddenFill>
-            </a:ext>
-          </a:extLst>
         </p:spPr>
       </p:pic>
     </p:spTree>
@@ -7710,13 +7820,6 @@
   <p:clrMapOvr>
     <a:masterClrMapping/>
   </p:clrMapOvr>
-  <p:timing>
-    <p:tnLst>
-      <p:par>
-        <p:cTn id="1" dur="indefinite" restart="never" nodeType="tmRoot"/>
-      </p:par>
-    </p:tnLst>
-  </p:timing>
 </p:sld>
 </file>
 
@@ -7742,7 +7845,7 @@
           <p:cNvPr id="2" name="Titel 1">
             <a:extLst>
               <a:ext uri="{FF2B5EF4-FFF2-40B4-BE49-F238E27FC236}">
-                <a16:creationId xmlns="" xmlns:a16="http://schemas.microsoft.com/office/drawing/2014/main" id="{EFB50FA2-D02A-4D2A-A2A7-27E3F0B48DE8}"/>
+                <a16:creationId xmlns:a16="http://schemas.microsoft.com/office/drawing/2014/main" id="{EFB50FA2-D02A-4D2A-A2A7-27E3F0B48DE8}"/>
               </a:ext>
             </a:extLst>
           </p:cNvPr>
@@ -7770,7 +7873,7 @@
           <p:cNvPr id="5" name="Inhaltsplatzhalter 4">
             <a:extLst>
               <a:ext uri="{FF2B5EF4-FFF2-40B4-BE49-F238E27FC236}">
-                <a16:creationId xmlns="" xmlns:a16="http://schemas.microsoft.com/office/drawing/2014/main" id="{726D7ADE-BB6F-4712-ADA5-CFBBEE0A8ED0}"/>
+                <a16:creationId xmlns:a16="http://schemas.microsoft.com/office/drawing/2014/main" id="{726D7ADE-BB6F-4712-ADA5-CFBBEE0A8ED0}"/>
               </a:ext>
             </a:extLst>
           </p:cNvPr>
@@ -7864,7 +7967,7 @@
               <a:buChar char=""/>
             </a:pPr>
             <a:r>
-              <a:rPr lang="de-DE" sz="2000" dirty="0" smtClean="0">
+              <a:rPr lang="de-DE" sz="2000" dirty="0">
                 <a:solidFill>
                   <a:schemeClr val="tx1">
                     <a:lumMod val="75000"/>
@@ -7891,7 +7994,7 @@
               <a:buChar char=""/>
             </a:pPr>
             <a:r>
-              <a:rPr lang="de-DE" sz="2000" dirty="0" smtClean="0">
+              <a:rPr lang="de-DE" sz="2000" dirty="0">
                 <a:solidFill>
                   <a:schemeClr val="tx1">
                     <a:lumMod val="75000"/>
@@ -7901,14 +8004,6 @@
               </a:rPr>
               <a:t>…</a:t>
             </a:r>
-            <a:endParaRPr lang="de-DE" sz="2000" dirty="0">
-              <a:solidFill>
-                <a:schemeClr val="tx1">
-                  <a:lumMod val="75000"/>
-                  <a:lumOff val="25000"/>
-                </a:schemeClr>
-              </a:solidFill>
-            </a:endParaRPr>
           </a:p>
         </p:txBody>
       </p:sp>
@@ -7922,13 +8017,6 @@
   <p:clrMapOvr>
     <a:masterClrMapping/>
   </p:clrMapOvr>
-  <p:timing>
-    <p:tnLst>
-      <p:par>
-        <p:cTn id="1" dur="indefinite" restart="never" nodeType="tmRoot"/>
-      </p:par>
-    </p:tnLst>
-  </p:timing>
 </p:sld>
 </file>
 
@@ -7954,7 +8042,7 @@
           <p:cNvPr id="2" name="Titel 1">
             <a:extLst>
               <a:ext uri="{FF2B5EF4-FFF2-40B4-BE49-F238E27FC236}">
-                <a16:creationId xmlns="" xmlns:a16="http://schemas.microsoft.com/office/drawing/2014/main" id="{F7E526A2-7489-4EE4-AD3D-AA26527F4135}"/>
+                <a16:creationId xmlns:a16="http://schemas.microsoft.com/office/drawing/2014/main" id="{F7E526A2-7489-4EE4-AD3D-AA26527F4135}"/>
               </a:ext>
             </a:extLst>
           </p:cNvPr>
@@ -7999,7 +8087,7 @@
           <p:cNvPr id="3" name="Inhaltsplatzhalter 2">
             <a:extLst>
               <a:ext uri="{FF2B5EF4-FFF2-40B4-BE49-F238E27FC236}">
-                <a16:creationId xmlns="" xmlns:a16="http://schemas.microsoft.com/office/drawing/2014/main" id="{67AE91AA-EE30-4D88-ACF9-739A328ECBB2}"/>
+                <a16:creationId xmlns:a16="http://schemas.microsoft.com/office/drawing/2014/main" id="{67AE91AA-EE30-4D88-ACF9-739A328ECBB2}"/>
               </a:ext>
             </a:extLst>
           </p:cNvPr>
@@ -8028,26 +8116,26 @@
               </a:lnSpc>
             </a:pPr>
             <a:r>
-              <a:rPr lang="de-DE" dirty="0" err="1" smtClean="0"/>
+              <a:rPr lang="de-DE" dirty="0" err="1"/>
               <a:t>tinyAVR</a:t>
             </a:r>
             <a:r>
-              <a:rPr lang="de-DE" dirty="0" smtClean="0"/>
+              <a:rPr lang="de-DE" dirty="0"/>
               <a:t>, </a:t>
             </a:r>
             <a:r>
-              <a:rPr lang="de-DE" dirty="0" err="1" smtClean="0"/>
+              <a:rPr lang="de-DE" dirty="0" err="1"/>
               <a:t>megaAVR</a:t>
             </a:r>
             <a:r>
-              <a:rPr lang="de-DE" dirty="0" smtClean="0"/>
+              <a:rPr lang="de-DE" dirty="0"/>
               <a:t> und </a:t>
             </a:r>
             <a:r>
-              <a:rPr lang="de-DE" dirty="0" err="1" smtClean="0"/>
+              <a:rPr lang="de-DE" dirty="0" err="1"/>
               <a:t>xmegaAVR</a:t>
             </a:r>
-            <a:endParaRPr lang="de-DE" dirty="0" smtClean="0"/>
+            <a:endParaRPr lang="de-DE" dirty="0"/>
           </a:p>
           <a:p>
             <a:pPr>
@@ -8056,14 +8144,14 @@
               </a:lnSpc>
             </a:pPr>
             <a:r>
-              <a:rPr lang="de-DE" dirty="0" smtClean="0"/>
+              <a:rPr lang="de-DE" dirty="0"/>
               <a:t>8-bit AVR-</a:t>
             </a:r>
             <a:r>
-              <a:rPr lang="de-DE" dirty="0" err="1" smtClean="0"/>
+              <a:rPr lang="de-DE" dirty="0" err="1"/>
               <a:t>Microcontroller</a:t>
             </a:r>
-            <a:endParaRPr lang="de-DE" dirty="0" smtClean="0"/>
+            <a:endParaRPr lang="de-DE" dirty="0"/>
           </a:p>
           <a:p>
             <a:pPr>
@@ -8072,10 +8160,9 @@
               </a:lnSpc>
             </a:pPr>
             <a:r>
-              <a:rPr lang="de-DE" dirty="0" smtClean="0"/>
+              <a:rPr lang="de-DE" dirty="0"/>
               <a:t>Spannung zwischen 1,6 – 5,5V</a:t>
             </a:r>
-            <a:endParaRPr lang="de-DE" dirty="0"/>
           </a:p>
           <a:p>
             <a:pPr>
@@ -8103,21 +8190,20 @@
               </a:lnSpc>
             </a:pPr>
             <a:r>
-              <a:rPr lang="de-DE" dirty="0" smtClean="0"/>
+              <a:rPr lang="de-DE" dirty="0"/>
               <a:t>Stromsparende Architektur</a:t>
             </a:r>
           </a:p>
           <a:p>
             <a:pPr lvl="1"/>
             <a:r>
-              <a:rPr lang="de-DE" dirty="0" err="1" smtClean="0"/>
+              <a:rPr lang="de-DE" dirty="0" err="1"/>
               <a:t>Pico</a:t>
             </a:r>
             <a:r>
-              <a:rPr lang="de-DE" dirty="0" smtClean="0"/>
+              <a:rPr lang="de-DE" dirty="0"/>
               <a:t> Power</a:t>
             </a:r>
-            <a:endParaRPr lang="de-DE" dirty="0"/>
           </a:p>
         </p:txBody>
       </p:sp>
@@ -8126,7 +8212,7 @@
           <p:cNvPr id="5" name="Grafik 4">
             <a:extLst>
               <a:ext uri="{FF2B5EF4-FFF2-40B4-BE49-F238E27FC236}">
-                <a16:creationId xmlns="" xmlns:a16="http://schemas.microsoft.com/office/drawing/2014/main" id="{B7FC7600-B559-451D-BDC9-26DBFC164681}"/>
+                <a16:creationId xmlns:a16="http://schemas.microsoft.com/office/drawing/2014/main" id="{B7FC7600-B559-451D-BDC9-26DBFC164681}"/>
               </a:ext>
             </a:extLst>
           </p:cNvPr>
@@ -8166,13 +8252,6 @@
   <p:clrMapOvr>
     <a:masterClrMapping/>
   </p:clrMapOvr>
-  <p:timing>
-    <p:tnLst>
-      <p:par>
-        <p:cTn id="1" dur="indefinite" restart="never" nodeType="tmRoot"/>
-      </p:par>
-    </p:tnLst>
-  </p:timing>
 </p:sld>
 </file>
 
@@ -8198,7 +8277,7 @@
           <p:cNvPr id="2" name="Titel 1">
             <a:extLst>
               <a:ext uri="{FF2B5EF4-FFF2-40B4-BE49-F238E27FC236}">
-                <a16:creationId xmlns="" xmlns:a16="http://schemas.microsoft.com/office/drawing/2014/main" id="{EBD8EE8D-2735-412F-9D53-4901977DEE3E}"/>
+                <a16:creationId xmlns:a16="http://schemas.microsoft.com/office/drawing/2014/main" id="{EBD8EE8D-2735-412F-9D53-4901977DEE3E}"/>
               </a:ext>
             </a:extLst>
           </p:cNvPr>
@@ -8231,7 +8310,7 @@
           <p:cNvPr id="3" name="Inhaltsplatzhalter 2">
             <a:extLst>
               <a:ext uri="{FF2B5EF4-FFF2-40B4-BE49-F238E27FC236}">
-                <a16:creationId xmlns="" xmlns:a16="http://schemas.microsoft.com/office/drawing/2014/main" id="{CD1197E8-F25A-443E-922A-13B0D3847BB0}"/>
+                <a16:creationId xmlns:a16="http://schemas.microsoft.com/office/drawing/2014/main" id="{CD1197E8-F25A-443E-922A-13B0D3847BB0}"/>
               </a:ext>
             </a:extLst>
           </p:cNvPr>
@@ -8260,14 +8339,13 @@
               </a:lnSpc>
             </a:pPr>
             <a:r>
-              <a:rPr lang="de-DE" dirty="0" err="1" smtClean="0"/>
+              <a:rPr lang="de-DE" dirty="0" err="1"/>
               <a:t>Arduino</a:t>
             </a:r>
             <a:r>
-              <a:rPr lang="de-DE" dirty="0" smtClean="0"/>
+              <a:rPr lang="de-DE" dirty="0"/>
               <a:t> als</a:t>
             </a:r>
-            <a:endParaRPr lang="de-DE" dirty="0"/>
           </a:p>
           <a:p>
             <a:pPr lvl="1">
@@ -8298,7 +8376,7 @@
           <p:cNvPr id="1026" name="Picture 2">
             <a:extLst>
               <a:ext uri="{FF2B5EF4-FFF2-40B4-BE49-F238E27FC236}">
-                <a16:creationId xmlns="" xmlns:a16="http://schemas.microsoft.com/office/drawing/2014/main" id="{5B99E512-2254-4B53-9340-40AF32444BA0}"/>
+                <a16:creationId xmlns:a16="http://schemas.microsoft.com/office/drawing/2014/main" id="{5B99E512-2254-4B53-9340-40AF32444BA0}"/>
               </a:ext>
             </a:extLst>
           </p:cNvPr>
@@ -8363,13 +8441,6 @@
   <p:clrMapOvr>
     <a:masterClrMapping/>
   </p:clrMapOvr>
-  <p:timing>
-    <p:tnLst>
-      <p:par>
-        <p:cTn id="1" dur="indefinite" restart="never" nodeType="tmRoot"/>
-      </p:par>
-    </p:tnLst>
-  </p:timing>
 </p:sld>
 </file>
 
@@ -8395,7 +8466,7 @@
           <p:cNvPr id="2" name="Titel 1">
             <a:extLst>
               <a:ext uri="{FF2B5EF4-FFF2-40B4-BE49-F238E27FC236}">
-                <a16:creationId xmlns="" xmlns:a16="http://schemas.microsoft.com/office/drawing/2014/main" id="{37B762ED-FD6C-4469-9313-0067FF63F020}"/>
+                <a16:creationId xmlns:a16="http://schemas.microsoft.com/office/drawing/2014/main" id="{37B762ED-FD6C-4469-9313-0067FF63F020}"/>
               </a:ext>
             </a:extLst>
           </p:cNvPr>
@@ -8432,7 +8503,7 @@
           <p:cNvPr id="5" name="Inhaltsplatzhalter 4">
             <a:extLst>
               <a:ext uri="{FF2B5EF4-FFF2-40B4-BE49-F238E27FC236}">
-                <a16:creationId xmlns="" xmlns:a16="http://schemas.microsoft.com/office/drawing/2014/main" id="{26371410-72DF-44FE-AF29-CF34C0FB2690}"/>
+                <a16:creationId xmlns:a16="http://schemas.microsoft.com/office/drawing/2014/main" id="{26371410-72DF-44FE-AF29-CF34C0FB2690}"/>
               </a:ext>
             </a:extLst>
           </p:cNvPr>
@@ -8521,7 +8592,7 @@
               <a:t>Programmer</a:t>
             </a:r>
             <a:r>
-              <a:rPr lang="de-DE" dirty="0" smtClean="0">
+              <a:rPr lang="de-DE" dirty="0">
                 <a:solidFill>
                   <a:schemeClr val="tx1">
                     <a:lumMod val="75000"/>
@@ -8548,7 +8619,7 @@
               <a:buChar char=""/>
             </a:pPr>
             <a:r>
-              <a:rPr lang="de-DE" dirty="0" smtClean="0">
+              <a:rPr lang="de-DE" dirty="0">
                 <a:solidFill>
                   <a:schemeClr val="tx1">
                     <a:lumMod val="75000"/>
@@ -8572,7 +8643,7 @@
               <a:buChar char=""/>
             </a:pPr>
             <a:r>
-              <a:rPr lang="de-DE" dirty="0" smtClean="0">
+              <a:rPr lang="de-DE" dirty="0">
                 <a:solidFill>
                   <a:schemeClr val="tx1">
                     <a:lumMod val="75000"/>
@@ -8596,7 +8667,7 @@
               <a:buChar char=""/>
             </a:pPr>
             <a:r>
-              <a:rPr lang="de-DE" dirty="0" smtClean="0">
+              <a:rPr lang="de-DE" dirty="0">
                 <a:solidFill>
                   <a:schemeClr val="tx1">
                     <a:lumMod val="75000"/>
@@ -8606,14 +8677,6 @@
               </a:rPr>
               <a:t>Serielle Ausgabe</a:t>
             </a:r>
-            <a:endParaRPr lang="de-DE" dirty="0">
-              <a:solidFill>
-                <a:schemeClr val="tx1">
-                  <a:lumMod val="75000"/>
-                  <a:lumOff val="25000"/>
-                </a:schemeClr>
-              </a:solidFill>
-            </a:endParaRPr>
           </a:p>
           <a:p>
             <a:pPr marL="285750" indent="-285750">
@@ -8634,13 +8697,6 @@
   <p:clrMapOvr>
     <a:masterClrMapping/>
   </p:clrMapOvr>
-  <p:timing>
-    <p:tnLst>
-      <p:par>
-        <p:cTn id="1" dur="indefinite" restart="never" nodeType="tmRoot"/>
-      </p:par>
-    </p:tnLst>
-  </p:timing>
 </p:sld>
 </file>
 
@@ -8666,7 +8722,102 @@
           <p:cNvPr id="2" name="Titel 1">
             <a:extLst>
               <a:ext uri="{FF2B5EF4-FFF2-40B4-BE49-F238E27FC236}">
-                <a16:creationId xmlns="" xmlns:a16="http://schemas.microsoft.com/office/drawing/2014/main" id="{54648854-58D7-4ACD-8217-3CE75F2B221A}"/>
+                <a16:creationId xmlns:a16="http://schemas.microsoft.com/office/drawing/2014/main" id="{98498F49-5A11-40E4-8400-1CAC5C7D757A}"/>
+              </a:ext>
+            </a:extLst>
+          </p:cNvPr>
+          <p:cNvSpPr>
+            <a:spLocks noGrp="1"/>
+          </p:cNvSpPr>
+          <p:nvPr>
+            <p:ph type="title"/>
+          </p:nvPr>
+        </p:nvSpPr>
+        <p:spPr/>
+        <p:txBody>
+          <a:bodyPr/>
+          <a:lstStyle/>
+          <a:p>
+            <a:r>
+              <a:rPr lang="de-DE" dirty="0" err="1"/>
+              <a:t>Atmel</a:t>
+            </a:r>
+            <a:r>
+              <a:rPr lang="de-DE" dirty="0"/>
+              <a:t> Studio und </a:t>
+            </a:r>
+            <a:r>
+              <a:rPr lang="de-DE" dirty="0" err="1"/>
+              <a:t>Tera</a:t>
+            </a:r>
+            <a:r>
+              <a:rPr lang="de-DE" dirty="0"/>
+              <a:t> Term</a:t>
+            </a:r>
+          </a:p>
+        </p:txBody>
+      </p:sp>
+      <p:sp>
+        <p:nvSpPr>
+          <p:cNvPr id="3" name="Inhaltsplatzhalter 2">
+            <a:extLst>
+              <a:ext uri="{FF2B5EF4-FFF2-40B4-BE49-F238E27FC236}">
+                <a16:creationId xmlns:a16="http://schemas.microsoft.com/office/drawing/2014/main" id="{A28DB937-0FE8-4DCC-B8D3-883E954D3FB1}"/>
+              </a:ext>
+            </a:extLst>
+          </p:cNvPr>
+          <p:cNvSpPr>
+            <a:spLocks noGrp="1"/>
+          </p:cNvSpPr>
+          <p:nvPr>
+            <p:ph idx="1"/>
+          </p:nvPr>
+        </p:nvSpPr>
+        <p:spPr/>
+        <p:txBody>
+          <a:bodyPr/>
+          <a:lstStyle/>
+          <a:p>
+            <a:endParaRPr lang="de-DE" dirty="0"/>
+          </a:p>
+        </p:txBody>
+      </p:sp>
+    </p:spTree>
+    <p:extLst>
+      <p:ext uri="{BB962C8B-B14F-4D97-AF65-F5344CB8AC3E}">
+        <p14:creationId xmlns:p14="http://schemas.microsoft.com/office/powerpoint/2010/main" val="101986242"/>
+      </p:ext>
+    </p:extLst>
+  </p:cSld>
+  <p:clrMapOvr>
+    <a:masterClrMapping/>
+  </p:clrMapOvr>
+</p:sld>
+</file>
+
+<file path=ppt/slides/slide9.xml><?xml version="1.0" encoding="utf-8"?>
+<p:sld xmlns:a="http://schemas.openxmlformats.org/drawingml/2006/main" xmlns:r="http://schemas.openxmlformats.org/officeDocument/2006/relationships" xmlns:p="http://schemas.openxmlformats.org/presentationml/2006/main">
+  <p:cSld>
+    <p:spTree>
+      <p:nvGrpSpPr>
+        <p:cNvPr id="1" name=""/>
+        <p:cNvGrpSpPr/>
+        <p:nvPr/>
+      </p:nvGrpSpPr>
+      <p:grpSpPr>
+        <a:xfrm>
+          <a:off x="0" y="0"/>
+          <a:ext cx="0" cy="0"/>
+          <a:chOff x="0" y="0"/>
+          <a:chExt cx="0" cy="0"/>
+        </a:xfrm>
+      </p:grpSpPr>
+      <p:sp>
+        <p:nvSpPr>
+          <p:cNvPr id="2" name="Titel 1">
+            <a:extLst>
+              <a:ext uri="{FF2B5EF4-FFF2-40B4-BE49-F238E27FC236}">
+                <a16:creationId xmlns:a16="http://schemas.microsoft.com/office/drawing/2014/main" id="{54648854-58D7-4ACD-8217-3CE75F2B221A}"/>
               </a:ext>
             </a:extLst>
           </p:cNvPr>
@@ -8694,7 +8845,7 @@
           <p:cNvPr id="4" name="Inhaltsplatzhalter 4">
             <a:extLst>
               <a:ext uri="{FF2B5EF4-FFF2-40B4-BE49-F238E27FC236}">
-                <a16:creationId xmlns="" xmlns:a16="http://schemas.microsoft.com/office/drawing/2014/main" id="{6E11F9D0-ABE8-47AE-886A-B3E9D7B5E9F8}"/>
+                <a16:creationId xmlns:a16="http://schemas.microsoft.com/office/drawing/2014/main" id="{6E11F9D0-ABE8-47AE-886A-B3E9D7B5E9F8}"/>
               </a:ext>
             </a:extLst>
           </p:cNvPr>
@@ -8734,216 +8885,6 @@
   <p:clrMapOvr>
     <a:masterClrMapping/>
   </p:clrMapOvr>
-  <p:timing>
-    <p:tnLst>
-      <p:par>
-        <p:cTn id="1" dur="indefinite" restart="never" nodeType="tmRoot"/>
-      </p:par>
-    </p:tnLst>
-  </p:timing>
-</p:sld>
-</file>
-
-<file path=ppt/slides/slide9.xml><?xml version="1.0" encoding="utf-8"?>
-<p:sld xmlns:a="http://schemas.openxmlformats.org/drawingml/2006/main" xmlns:r="http://schemas.openxmlformats.org/officeDocument/2006/relationships" xmlns:p="http://schemas.openxmlformats.org/presentationml/2006/main">
-  <p:cSld>
-    <p:spTree>
-      <p:nvGrpSpPr>
-        <p:cNvPr id="1" name=""/>
-        <p:cNvGrpSpPr/>
-        <p:nvPr/>
-      </p:nvGrpSpPr>
-      <p:grpSpPr>
-        <a:xfrm>
-          <a:off x="0" y="0"/>
-          <a:ext cx="0" cy="0"/>
-          <a:chOff x="0" y="0"/>
-          <a:chExt cx="0" cy="0"/>
-        </a:xfrm>
-      </p:grpSpPr>
-      <p:sp>
-        <p:nvSpPr>
-          <p:cNvPr id="2" name="Titel 1">
-            <a:extLst>
-              <a:ext uri="{FF2B5EF4-FFF2-40B4-BE49-F238E27FC236}">
-                <a16:creationId xmlns="" xmlns:a16="http://schemas.microsoft.com/office/drawing/2014/main" id="{C3B0D162-B677-48DF-A352-C5743D228583}"/>
-              </a:ext>
-            </a:extLst>
-          </p:cNvPr>
-          <p:cNvSpPr>
-            <a:spLocks noGrp="1"/>
-          </p:cNvSpPr>
-          <p:nvPr>
-            <p:ph type="title"/>
-          </p:nvPr>
-        </p:nvSpPr>
-        <p:spPr/>
-        <p:txBody>
-          <a:bodyPr/>
-          <a:lstStyle/>
-          <a:p>
-            <a:r>
-              <a:rPr lang="de-DE" u="sng" dirty="0" err="1" smtClean="0"/>
-              <a:t>pinMode</a:t>
-            </a:r>
-            <a:r>
-              <a:rPr lang="de-DE" u="sng" dirty="0" smtClean="0"/>
-              <a:t> - Output</a:t>
-            </a:r>
-            <a:endParaRPr lang="de-DE" u="sng" dirty="0"/>
-          </a:p>
-        </p:txBody>
-      </p:sp>
-      <p:sp>
-        <p:nvSpPr>
-          <p:cNvPr id="3" name="Inhaltsplatzhalter 2">
-            <a:extLst>
-              <a:ext uri="{FF2B5EF4-FFF2-40B4-BE49-F238E27FC236}">
-                <a16:creationId xmlns="" xmlns:a16="http://schemas.microsoft.com/office/drawing/2014/main" id="{BD0AF6C3-2C56-4D2C-9E30-C1C6F8FA7A9B}"/>
-              </a:ext>
-            </a:extLst>
-          </p:cNvPr>
-          <p:cNvSpPr>
-            <a:spLocks noGrp="1"/>
-          </p:cNvSpPr>
-          <p:nvPr>
-            <p:ph idx="1"/>
-          </p:nvPr>
-        </p:nvSpPr>
-        <p:spPr>
-          <a:xfrm>
-            <a:off x="1387627" y="2013632"/>
-            <a:ext cx="8596668" cy="3880773"/>
-          </a:xfrm>
-        </p:spPr>
-        <p:txBody>
-          <a:bodyPr/>
-          <a:lstStyle/>
-          <a:p>
-            <a:pPr fontAlgn="base">
-              <a:lnSpc>
-                <a:spcPct val="150000"/>
-              </a:lnSpc>
-            </a:pPr>
-            <a:r>
-              <a:rPr lang="de-DE" dirty="0"/>
-              <a:t>DDRD &amp;= ~(1&lt;&lt;2)</a:t>
-            </a:r>
-            <a:r>
-              <a:rPr lang="en-US" dirty="0"/>
-              <a:t>​</a:t>
-            </a:r>
-          </a:p>
-          <a:p>
-            <a:pPr fontAlgn="base">
-              <a:lnSpc>
-                <a:spcPct val="150000"/>
-              </a:lnSpc>
-            </a:pPr>
-            <a:r>
-              <a:rPr lang="de-DE" dirty="0"/>
-              <a:t>Wieder: DDRD = 00100101</a:t>
-            </a:r>
-            <a:r>
-              <a:rPr lang="en-US" dirty="0"/>
-              <a:t>​</a:t>
-            </a:r>
-          </a:p>
-          <a:p>
-            <a:pPr fontAlgn="base">
-              <a:lnSpc>
-                <a:spcPct val="150000"/>
-              </a:lnSpc>
-            </a:pPr>
-            <a:r>
-              <a:rPr lang="de-DE" dirty="0"/>
-              <a:t>Ausführen von DDRD &amp;= ~(1&lt;&lt;2):</a:t>
-            </a:r>
-            <a:r>
-              <a:rPr lang="en-US" dirty="0"/>
-              <a:t>​</a:t>
-            </a:r>
-          </a:p>
-          <a:p>
-            <a:pPr fontAlgn="base">
-              <a:lnSpc>
-                <a:spcPct val="150000"/>
-              </a:lnSpc>
-            </a:pPr>
-            <a:r>
-              <a:rPr lang="de-DE" dirty="0"/>
-              <a:t>1 = 00000001</a:t>
-            </a:r>
-            <a:r>
-              <a:rPr lang="en-US" dirty="0"/>
-              <a:t>​ -&gt; </a:t>
-            </a:r>
-            <a:r>
-              <a:rPr lang="de-DE" dirty="0"/>
-              <a:t>(1&lt;&lt;2) = 00000100</a:t>
-            </a:r>
-            <a:r>
-              <a:rPr lang="en-US" dirty="0"/>
-              <a:t>​</a:t>
-            </a:r>
-          </a:p>
-          <a:p>
-            <a:pPr fontAlgn="base">
-              <a:lnSpc>
-                <a:spcPct val="150000"/>
-              </a:lnSpc>
-            </a:pPr>
-            <a:r>
-              <a:rPr lang="de-DE" dirty="0"/>
-              <a:t>Negieren von (1&lt;&lt;2):</a:t>
-            </a:r>
-            <a:r>
-              <a:rPr lang="en-US" dirty="0"/>
-              <a:t>​ </a:t>
-            </a:r>
-            <a:r>
-              <a:rPr lang="de-DE" dirty="0"/>
-              <a:t>~(1&lt;&lt;2) = 11111011</a:t>
-            </a:r>
-            <a:r>
-              <a:rPr lang="en-US" dirty="0"/>
-              <a:t>​</a:t>
-            </a:r>
-          </a:p>
-          <a:p>
-            <a:pPr fontAlgn="base">
-              <a:lnSpc>
-                <a:spcPct val="150000"/>
-              </a:lnSpc>
-            </a:pPr>
-            <a:r>
-              <a:rPr lang="de-DE" dirty="0"/>
-              <a:t>00100101 &amp; 11111011 = 00100001 //2. Bit nun 0</a:t>
-            </a:r>
-            <a:endParaRPr lang="en-US" dirty="0"/>
-          </a:p>
-          <a:p>
-            <a:endParaRPr lang="de-DE" dirty="0"/>
-          </a:p>
-        </p:txBody>
-      </p:sp>
-    </p:spTree>
-    <p:extLst>
-      <p:ext uri="{BB962C8B-B14F-4D97-AF65-F5344CB8AC3E}">
-        <p14:creationId xmlns:p14="http://schemas.microsoft.com/office/powerpoint/2010/main" val="1964423356"/>
-      </p:ext>
-    </p:extLst>
-  </p:cSld>
-  <p:clrMapOvr>
-    <a:masterClrMapping/>
-  </p:clrMapOvr>
-  <p:timing>
-    <p:tnLst>
-      <p:par>
-        <p:cTn id="1" dur="indefinite" restart="never" nodeType="tmRoot"/>
-      </p:par>
-    </p:tnLst>
-  </p:timing>
 </p:sld>
 </file>
 
@@ -9198,7 +9139,7 @@
   <a:extraClrSchemeLst/>
   <a:extLst>
     <a:ext uri="{05A4C25C-085E-4340-85A3-A5531E510DB2}">
-      <thm15:themeFamily xmlns="" xmlns:thm15="http://schemas.microsoft.com/office/thememl/2012/main" name="Facet" id="{C0C680CD-088A-49FC-A102-D699147F32B2}" vid="{0B5AB586-D108-4FC1-8368-649FE654B894}"/>
+      <thm15:themeFamily xmlns:thm15="http://schemas.microsoft.com/office/thememl/2012/main" name="Facet" id="{C0C680CD-088A-49FC-A102-D699147F32B2}" vid="{0B5AB586-D108-4FC1-8368-649FE654B894}"/>
     </a:ext>
   </a:extLst>
 </a:theme>
